--- a/doc/images/hero_board/hero_board_top_annotated.pptx
+++ b/doc/images/hero_board/hero_board_top_annotated.pptx
@@ -261,7 +261,7 @@
           <a:p>
             <a:fld id="{A4A54569-7902-4945-B214-29C88B7567F2}" type="datetimeFigureOut">
               <a:rPr lang="en-ZA" smtClean="0"/>
-              <a:t>2019-03-02</a:t>
+              <a:t>2019/10/14</a:t>
             </a:fld>
             <a:endParaRPr lang="en-ZA"/>
           </a:p>
@@ -461,7 +461,7 @@
           <a:p>
             <a:fld id="{A4A54569-7902-4945-B214-29C88B7567F2}" type="datetimeFigureOut">
               <a:rPr lang="en-ZA" smtClean="0"/>
-              <a:t>2019-03-02</a:t>
+              <a:t>2019/10/14</a:t>
             </a:fld>
             <a:endParaRPr lang="en-ZA"/>
           </a:p>
@@ -671,7 +671,7 @@
           <a:p>
             <a:fld id="{A4A54569-7902-4945-B214-29C88B7567F2}" type="datetimeFigureOut">
               <a:rPr lang="en-ZA" smtClean="0"/>
-              <a:t>2019-03-02</a:t>
+              <a:t>2019/10/14</a:t>
             </a:fld>
             <a:endParaRPr lang="en-ZA"/>
           </a:p>
@@ -871,7 +871,7 @@
           <a:p>
             <a:fld id="{A4A54569-7902-4945-B214-29C88B7567F2}" type="datetimeFigureOut">
               <a:rPr lang="en-ZA" smtClean="0"/>
-              <a:t>2019-03-02</a:t>
+              <a:t>2019/10/14</a:t>
             </a:fld>
             <a:endParaRPr lang="en-ZA"/>
           </a:p>
@@ -1147,7 +1147,7 @@
           <a:p>
             <a:fld id="{A4A54569-7902-4945-B214-29C88B7567F2}" type="datetimeFigureOut">
               <a:rPr lang="en-ZA" smtClean="0"/>
-              <a:t>2019-03-02</a:t>
+              <a:t>2019/10/14</a:t>
             </a:fld>
             <a:endParaRPr lang="en-ZA"/>
           </a:p>
@@ -1415,7 +1415,7 @@
           <a:p>
             <a:fld id="{A4A54569-7902-4945-B214-29C88B7567F2}" type="datetimeFigureOut">
               <a:rPr lang="en-ZA" smtClean="0"/>
-              <a:t>2019-03-02</a:t>
+              <a:t>2019/10/14</a:t>
             </a:fld>
             <a:endParaRPr lang="en-ZA"/>
           </a:p>
@@ -1830,7 +1830,7 @@
           <a:p>
             <a:fld id="{A4A54569-7902-4945-B214-29C88B7567F2}" type="datetimeFigureOut">
               <a:rPr lang="en-ZA" smtClean="0"/>
-              <a:t>2019-03-02</a:t>
+              <a:t>2019/10/14</a:t>
             </a:fld>
             <a:endParaRPr lang="en-ZA"/>
           </a:p>
@@ -1972,7 +1972,7 @@
           <a:p>
             <a:fld id="{A4A54569-7902-4945-B214-29C88B7567F2}" type="datetimeFigureOut">
               <a:rPr lang="en-ZA" smtClean="0"/>
-              <a:t>2019-03-02</a:t>
+              <a:t>2019/10/14</a:t>
             </a:fld>
             <a:endParaRPr lang="en-ZA"/>
           </a:p>
@@ -2085,7 +2085,7 @@
           <a:p>
             <a:fld id="{A4A54569-7902-4945-B214-29C88B7567F2}" type="datetimeFigureOut">
               <a:rPr lang="en-ZA" smtClean="0"/>
-              <a:t>2019-03-02</a:t>
+              <a:t>2019/10/14</a:t>
             </a:fld>
             <a:endParaRPr lang="en-ZA"/>
           </a:p>
@@ -2398,7 +2398,7 @@
           <a:p>
             <a:fld id="{A4A54569-7902-4945-B214-29C88B7567F2}" type="datetimeFigureOut">
               <a:rPr lang="en-ZA" smtClean="0"/>
-              <a:t>2019-03-02</a:t>
+              <a:t>2019/10/14</a:t>
             </a:fld>
             <a:endParaRPr lang="en-ZA"/>
           </a:p>
@@ -2687,7 +2687,7 @@
           <a:p>
             <a:fld id="{A4A54569-7902-4945-B214-29C88B7567F2}" type="datetimeFigureOut">
               <a:rPr lang="en-ZA" smtClean="0"/>
-              <a:t>2019-03-02</a:t>
+              <a:t>2019/10/14</a:t>
             </a:fld>
             <a:endParaRPr lang="en-ZA"/>
           </a:p>
@@ -2930,7 +2930,7 @@
           <a:p>
             <a:fld id="{A4A54569-7902-4945-B214-29C88B7567F2}" type="datetimeFigureOut">
               <a:rPr lang="en-ZA" smtClean="0"/>
-              <a:t>2019-03-02</a:t>
+              <a:t>2019/10/14</a:t>
             </a:fld>
             <a:endParaRPr lang="en-ZA"/>
           </a:p>
@@ -3369,14 +3369,13 @@
               </a:ext>
             </a:extLst>
           </a:blip>
-          <a:stretch>
-            <a:fillRect/>
-          </a:stretch>
+          <a:srcRect/>
+          <a:stretch/>
         </p:blipFill>
         <p:spPr>
           <a:xfrm>
-            <a:off x="4697764" y="2318057"/>
-            <a:ext cx="2812972" cy="2248226"/>
+            <a:off x="4697764" y="2334900"/>
+            <a:ext cx="2812972" cy="2214539"/>
           </a:xfrm>
           <a:prstGeom prst="rect">
             <a:avLst/>
@@ -3713,7 +3712,7 @@
                   <a:schemeClr val="tx1"/>
                 </a:solidFill>
               </a:rPr>
-              <a:t>µSD Card</a:t>
+              <a:t>µSD card</a:t>
             </a:r>
           </a:p>
         </p:txBody>

--- a/doc/images/hero_board/hero_board_top_annotated.pptx
+++ b/doc/images/hero_board/hero_board_top_annotated.pptx
@@ -261,7 +261,7 @@
           <a:p>
             <a:fld id="{A4A54569-7902-4945-B214-29C88B7567F2}" type="datetimeFigureOut">
               <a:rPr lang="en-ZA" smtClean="0"/>
-              <a:t>2019/10/14</a:t>
+              <a:t>2019-11-20</a:t>
             </a:fld>
             <a:endParaRPr lang="en-ZA"/>
           </a:p>
@@ -461,7 +461,7 @@
           <a:p>
             <a:fld id="{A4A54569-7902-4945-B214-29C88B7567F2}" type="datetimeFigureOut">
               <a:rPr lang="en-ZA" smtClean="0"/>
-              <a:t>2019/10/14</a:t>
+              <a:t>2019-11-20</a:t>
             </a:fld>
             <a:endParaRPr lang="en-ZA"/>
           </a:p>
@@ -671,7 +671,7 @@
           <a:p>
             <a:fld id="{A4A54569-7902-4945-B214-29C88B7567F2}" type="datetimeFigureOut">
               <a:rPr lang="en-ZA" smtClean="0"/>
-              <a:t>2019/10/14</a:t>
+              <a:t>2019-11-20</a:t>
             </a:fld>
             <a:endParaRPr lang="en-ZA"/>
           </a:p>
@@ -871,7 +871,7 @@
           <a:p>
             <a:fld id="{A4A54569-7902-4945-B214-29C88B7567F2}" type="datetimeFigureOut">
               <a:rPr lang="en-ZA" smtClean="0"/>
-              <a:t>2019/10/14</a:t>
+              <a:t>2019-11-20</a:t>
             </a:fld>
             <a:endParaRPr lang="en-ZA"/>
           </a:p>
@@ -1147,7 +1147,7 @@
           <a:p>
             <a:fld id="{A4A54569-7902-4945-B214-29C88B7567F2}" type="datetimeFigureOut">
               <a:rPr lang="en-ZA" smtClean="0"/>
-              <a:t>2019/10/14</a:t>
+              <a:t>2019-11-20</a:t>
             </a:fld>
             <a:endParaRPr lang="en-ZA"/>
           </a:p>
@@ -1415,7 +1415,7 @@
           <a:p>
             <a:fld id="{A4A54569-7902-4945-B214-29C88B7567F2}" type="datetimeFigureOut">
               <a:rPr lang="en-ZA" smtClean="0"/>
-              <a:t>2019/10/14</a:t>
+              <a:t>2019-11-20</a:t>
             </a:fld>
             <a:endParaRPr lang="en-ZA"/>
           </a:p>
@@ -1830,7 +1830,7 @@
           <a:p>
             <a:fld id="{A4A54569-7902-4945-B214-29C88B7567F2}" type="datetimeFigureOut">
               <a:rPr lang="en-ZA" smtClean="0"/>
-              <a:t>2019/10/14</a:t>
+              <a:t>2019-11-20</a:t>
             </a:fld>
             <a:endParaRPr lang="en-ZA"/>
           </a:p>
@@ -1972,7 +1972,7 @@
           <a:p>
             <a:fld id="{A4A54569-7902-4945-B214-29C88B7567F2}" type="datetimeFigureOut">
               <a:rPr lang="en-ZA" smtClean="0"/>
-              <a:t>2019/10/14</a:t>
+              <a:t>2019-11-20</a:t>
             </a:fld>
             <a:endParaRPr lang="en-ZA"/>
           </a:p>
@@ -2085,7 +2085,7 @@
           <a:p>
             <a:fld id="{A4A54569-7902-4945-B214-29C88B7567F2}" type="datetimeFigureOut">
               <a:rPr lang="en-ZA" smtClean="0"/>
-              <a:t>2019/10/14</a:t>
+              <a:t>2019-11-20</a:t>
             </a:fld>
             <a:endParaRPr lang="en-ZA"/>
           </a:p>
@@ -2398,7 +2398,7 @@
           <a:p>
             <a:fld id="{A4A54569-7902-4945-B214-29C88B7567F2}" type="datetimeFigureOut">
               <a:rPr lang="en-ZA" smtClean="0"/>
-              <a:t>2019/10/14</a:t>
+              <a:t>2019-11-20</a:t>
             </a:fld>
             <a:endParaRPr lang="en-ZA"/>
           </a:p>
@@ -2687,7 +2687,7 @@
           <a:p>
             <a:fld id="{A4A54569-7902-4945-B214-29C88B7567F2}" type="datetimeFigureOut">
               <a:rPr lang="en-ZA" smtClean="0"/>
-              <a:t>2019/10/14</a:t>
+              <a:t>2019-11-20</a:t>
             </a:fld>
             <a:endParaRPr lang="en-ZA"/>
           </a:p>
@@ -2930,7 +2930,7 @@
           <a:p>
             <a:fld id="{A4A54569-7902-4945-B214-29C88B7567F2}" type="datetimeFigureOut">
               <a:rPr lang="en-ZA" smtClean="0"/>
-              <a:t>2019/10/14</a:t>
+              <a:t>2019-11-20</a:t>
             </a:fld>
             <a:endParaRPr lang="en-ZA"/>
           </a:p>
@@ -3457,8 +3457,8 @@
         </p:nvSpPr>
         <p:spPr>
           <a:xfrm>
-            <a:off x="3631589" y="2756370"/>
-            <a:ext cx="889000" cy="1421932"/>
+            <a:off x="3638108" y="2612937"/>
+            <a:ext cx="889000" cy="1658466"/>
           </a:xfrm>
           <a:prstGeom prst="rect">
             <a:avLst/>
@@ -3553,6 +3553,20 @@
                 </a:solidFill>
               </a:rPr>
               <a:t>GPIO x 8</a:t>
+            </a:r>
+          </a:p>
+          <a:p>
+            <a:pPr marL="171450" indent="-171450">
+              <a:buFont typeface="Arial" panose="020B0604020202020204" pitchFamily="34" charset="0"/>
+              <a:buChar char="•"/>
+            </a:pPr>
+            <a:r>
+              <a:rPr lang="en-ZA" sz="1000" dirty="0">
+                <a:solidFill>
+                  <a:schemeClr val="tx1"/>
+                </a:solidFill>
+              </a:rPr>
+              <a:t>PWM x 4</a:t>
             </a:r>
           </a:p>
           <a:p>
@@ -3989,13 +4003,14 @@
           <p:cNvCxnSpPr>
             <a:cxnSpLocks/>
             <a:stCxn id="15" idx="3"/>
+            <a:endCxn id="92" idx="1"/>
           </p:cNvCxnSpPr>
           <p:nvPr/>
         </p:nvCxnSpPr>
         <p:spPr>
           <a:xfrm>
-            <a:off x="4520589" y="3467336"/>
-            <a:ext cx="133961" cy="0"/>
+            <a:off x="4527108" y="3442170"/>
+            <a:ext cx="170656" cy="0"/>
           </a:xfrm>
           <a:prstGeom prst="straightConnector1">
             <a:avLst/>

--- a/doc/images/hero_board/hero_board_top_annotated.pptx
+++ b/doc/images/hero_board/hero_board_top_annotated.pptx
@@ -261,7 +261,7 @@
           <a:p>
             <a:fld id="{A4A54569-7902-4945-B214-29C88B7567F2}" type="datetimeFigureOut">
               <a:rPr lang="en-ZA" smtClean="0"/>
-              <a:t>2019-11-20</a:t>
+              <a:t>2019-11-28</a:t>
             </a:fld>
             <a:endParaRPr lang="en-ZA"/>
           </a:p>
@@ -461,7 +461,7 @@
           <a:p>
             <a:fld id="{A4A54569-7902-4945-B214-29C88B7567F2}" type="datetimeFigureOut">
               <a:rPr lang="en-ZA" smtClean="0"/>
-              <a:t>2019-11-20</a:t>
+              <a:t>2019-11-28</a:t>
             </a:fld>
             <a:endParaRPr lang="en-ZA"/>
           </a:p>
@@ -671,7 +671,7 @@
           <a:p>
             <a:fld id="{A4A54569-7902-4945-B214-29C88B7567F2}" type="datetimeFigureOut">
               <a:rPr lang="en-ZA" smtClean="0"/>
-              <a:t>2019-11-20</a:t>
+              <a:t>2019-11-28</a:t>
             </a:fld>
             <a:endParaRPr lang="en-ZA"/>
           </a:p>
@@ -871,7 +871,7 @@
           <a:p>
             <a:fld id="{A4A54569-7902-4945-B214-29C88B7567F2}" type="datetimeFigureOut">
               <a:rPr lang="en-ZA" smtClean="0"/>
-              <a:t>2019-11-20</a:t>
+              <a:t>2019-11-28</a:t>
             </a:fld>
             <a:endParaRPr lang="en-ZA"/>
           </a:p>
@@ -1147,7 +1147,7 @@
           <a:p>
             <a:fld id="{A4A54569-7902-4945-B214-29C88B7567F2}" type="datetimeFigureOut">
               <a:rPr lang="en-ZA" smtClean="0"/>
-              <a:t>2019-11-20</a:t>
+              <a:t>2019-11-28</a:t>
             </a:fld>
             <a:endParaRPr lang="en-ZA"/>
           </a:p>
@@ -1415,7 +1415,7 @@
           <a:p>
             <a:fld id="{A4A54569-7902-4945-B214-29C88B7567F2}" type="datetimeFigureOut">
               <a:rPr lang="en-ZA" smtClean="0"/>
-              <a:t>2019-11-20</a:t>
+              <a:t>2019-11-28</a:t>
             </a:fld>
             <a:endParaRPr lang="en-ZA"/>
           </a:p>
@@ -1830,7 +1830,7 @@
           <a:p>
             <a:fld id="{A4A54569-7902-4945-B214-29C88B7567F2}" type="datetimeFigureOut">
               <a:rPr lang="en-ZA" smtClean="0"/>
-              <a:t>2019-11-20</a:t>
+              <a:t>2019-11-28</a:t>
             </a:fld>
             <a:endParaRPr lang="en-ZA"/>
           </a:p>
@@ -1972,7 +1972,7 @@
           <a:p>
             <a:fld id="{A4A54569-7902-4945-B214-29C88B7567F2}" type="datetimeFigureOut">
               <a:rPr lang="en-ZA" smtClean="0"/>
-              <a:t>2019-11-20</a:t>
+              <a:t>2019-11-28</a:t>
             </a:fld>
             <a:endParaRPr lang="en-ZA"/>
           </a:p>
@@ -2085,7 +2085,7 @@
           <a:p>
             <a:fld id="{A4A54569-7902-4945-B214-29C88B7567F2}" type="datetimeFigureOut">
               <a:rPr lang="en-ZA" smtClean="0"/>
-              <a:t>2019-11-20</a:t>
+              <a:t>2019-11-28</a:t>
             </a:fld>
             <a:endParaRPr lang="en-ZA"/>
           </a:p>
@@ -2398,7 +2398,7 @@
           <a:p>
             <a:fld id="{A4A54569-7902-4945-B214-29C88B7567F2}" type="datetimeFigureOut">
               <a:rPr lang="en-ZA" smtClean="0"/>
-              <a:t>2019-11-20</a:t>
+              <a:t>2019-11-28</a:t>
             </a:fld>
             <a:endParaRPr lang="en-ZA"/>
           </a:p>
@@ -2687,7 +2687,7 @@
           <a:p>
             <a:fld id="{A4A54569-7902-4945-B214-29C88B7567F2}" type="datetimeFigureOut">
               <a:rPr lang="en-ZA" smtClean="0"/>
-              <a:t>2019-11-20</a:t>
+              <a:t>2019-11-28</a:t>
             </a:fld>
             <a:endParaRPr lang="en-ZA"/>
           </a:p>
@@ -2930,7 +2930,7 @@
           <a:p>
             <a:fld id="{A4A54569-7902-4945-B214-29C88B7567F2}" type="datetimeFigureOut">
               <a:rPr lang="en-ZA" smtClean="0"/>
-              <a:t>2019-11-20</a:t>
+              <a:t>2019-11-28</a:t>
             </a:fld>
             <a:endParaRPr lang="en-ZA"/>
           </a:p>
@@ -3396,8 +3396,8 @@
         </p:nvSpPr>
         <p:spPr>
           <a:xfrm>
-            <a:off x="7687911" y="2482714"/>
-            <a:ext cx="603250" cy="329245"/>
+            <a:off x="7687910" y="2482715"/>
+            <a:ext cx="975076" cy="273052"/>
           </a:xfrm>
           <a:prstGeom prst="rect">
             <a:avLst/>
@@ -3433,10 +3433,12 @@
           <a:p>
             <a:pPr algn="ctr"/>
             <a:r>
-              <a:rPr lang="en-ZA" sz="1000" dirty="0">
+              <a:rPr lang="en-ZA" sz="800" dirty="0">
                 <a:solidFill>
                   <a:schemeClr val="tx1"/>
                 </a:solidFill>
+                <a:latin typeface="Segoe UI" panose="020B0502040204020203" pitchFamily="34" charset="0"/>
+                <a:cs typeface="Segoe UI" panose="020B0502040204020203" pitchFamily="34" charset="0"/>
               </a:rPr>
               <a:t>Charger LED</a:t>
             </a:r>
@@ -3457,8 +3459,8 @@
         </p:nvSpPr>
         <p:spPr>
           <a:xfrm>
-            <a:off x="3638108" y="2612937"/>
-            <a:ext cx="889000" cy="1658466"/>
+            <a:off x="3283028" y="2885073"/>
+            <a:ext cx="1244080" cy="1110665"/>
           </a:xfrm>
           <a:prstGeom prst="rect">
             <a:avLst/>
@@ -3491,12 +3493,14 @@
           <a:lstStyle/>
           <a:p>
             <a:r>
-              <a:rPr lang="en-ZA" sz="1000" dirty="0">
+              <a:rPr lang="en-ZA" sz="800" b="1" dirty="0">
                 <a:solidFill>
                   <a:schemeClr val="tx1"/>
                 </a:solidFill>
+                <a:latin typeface="Segoe UI" panose="020B0502040204020203" pitchFamily="34" charset="0"/>
+                <a:cs typeface="Segoe UI" panose="020B0502040204020203" pitchFamily="34" charset="0"/>
               </a:rPr>
-              <a:t>Peripheral Connector:</a:t>
+              <a:t>Peripheral Connector</a:t>
             </a:r>
           </a:p>
           <a:p>
@@ -3505,10 +3509,12 @@
               <a:buChar char="•"/>
             </a:pPr>
             <a:r>
-              <a:rPr lang="en-ZA" sz="1000" dirty="0">
+              <a:rPr lang="en-ZA" sz="800" dirty="0">
                 <a:solidFill>
                   <a:schemeClr val="tx1"/>
                 </a:solidFill>
+                <a:latin typeface="Segoe UI" panose="020B0502040204020203" pitchFamily="34" charset="0"/>
+                <a:cs typeface="Segoe UI" panose="020B0502040204020203" pitchFamily="34" charset="0"/>
               </a:rPr>
               <a:t>PWR</a:t>
             </a:r>
@@ -3519,10 +3525,12 @@
               <a:buChar char="•"/>
             </a:pPr>
             <a:r>
-              <a:rPr lang="en-ZA" sz="1000" dirty="0">
+              <a:rPr lang="en-ZA" sz="800" dirty="0">
                 <a:solidFill>
                   <a:schemeClr val="tx1"/>
                 </a:solidFill>
+                <a:latin typeface="Segoe UI" panose="020B0502040204020203" pitchFamily="34" charset="0"/>
+                <a:cs typeface="Segoe UI" panose="020B0502040204020203" pitchFamily="34" charset="0"/>
               </a:rPr>
               <a:t>ADC x 4</a:t>
             </a:r>
@@ -3533,10 +3541,12 @@
               <a:buChar char="•"/>
             </a:pPr>
             <a:r>
-              <a:rPr lang="en-ZA" sz="1000" dirty="0">
+              <a:rPr lang="en-ZA" sz="800" dirty="0">
                 <a:solidFill>
                   <a:schemeClr val="tx1"/>
                 </a:solidFill>
+                <a:latin typeface="Segoe UI" panose="020B0502040204020203" pitchFamily="34" charset="0"/>
+                <a:cs typeface="Segoe UI" panose="020B0502040204020203" pitchFamily="34" charset="0"/>
               </a:rPr>
               <a:t>DAC x 1</a:t>
             </a:r>
@@ -3547,12 +3557,14 @@
               <a:buChar char="•"/>
             </a:pPr>
             <a:r>
-              <a:rPr lang="en-ZA" sz="1000" dirty="0">
+              <a:rPr lang="en-ZA" sz="800" dirty="0">
                 <a:solidFill>
                   <a:schemeClr val="tx1"/>
                 </a:solidFill>
+                <a:latin typeface="Segoe UI" panose="020B0502040204020203" pitchFamily="34" charset="0"/>
+                <a:cs typeface="Segoe UI" panose="020B0502040204020203" pitchFamily="34" charset="0"/>
               </a:rPr>
-              <a:t>GPIO x 8</a:t>
+              <a:t>GPIO x 8 / PWM x 4</a:t>
             </a:r>
           </a:p>
           <a:p>
@@ -3561,12 +3573,14 @@
               <a:buChar char="•"/>
             </a:pPr>
             <a:r>
-              <a:rPr lang="en-ZA" sz="1000" dirty="0">
+              <a:rPr lang="en-ZA" sz="800" dirty="0">
                 <a:solidFill>
                   <a:schemeClr val="tx1"/>
                 </a:solidFill>
+                <a:latin typeface="Segoe UI" panose="020B0502040204020203" pitchFamily="34" charset="0"/>
+                <a:cs typeface="Segoe UI" panose="020B0502040204020203" pitchFamily="34" charset="0"/>
               </a:rPr>
-              <a:t>PWM x 4</a:t>
+              <a:t>UART x 2</a:t>
             </a:r>
           </a:p>
           <a:p>
@@ -3575,12 +3589,14 @@
               <a:buChar char="•"/>
             </a:pPr>
             <a:r>
-              <a:rPr lang="en-ZA" sz="1000" dirty="0">
+              <a:rPr lang="en-ZA" sz="800" dirty="0">
                 <a:solidFill>
                   <a:schemeClr val="tx1"/>
                 </a:solidFill>
+                <a:latin typeface="Segoe UI" panose="020B0502040204020203" pitchFamily="34" charset="0"/>
+                <a:cs typeface="Segoe UI" panose="020B0502040204020203" pitchFamily="34" charset="0"/>
               </a:rPr>
-              <a:t>UART x 2</a:t>
+              <a:t>I2C x 1</a:t>
             </a:r>
           </a:p>
           <a:p>
@@ -3589,24 +3605,12 @@
               <a:buChar char="•"/>
             </a:pPr>
             <a:r>
-              <a:rPr lang="en-ZA" sz="1000" dirty="0">
+              <a:rPr lang="en-ZA" sz="800" dirty="0">
                 <a:solidFill>
                   <a:schemeClr val="tx1"/>
                 </a:solidFill>
-              </a:rPr>
-              <a:t>I2C x 1</a:t>
-            </a:r>
-          </a:p>
-          <a:p>
-            <a:pPr marL="171450" indent="-171450">
-              <a:buFont typeface="Arial" panose="020B0604020202020204" pitchFamily="34" charset="0"/>
-              <a:buChar char="•"/>
-            </a:pPr>
-            <a:r>
-              <a:rPr lang="en-ZA" sz="1000" dirty="0">
-                <a:solidFill>
-                  <a:schemeClr val="tx1"/>
-                </a:solidFill>
+                <a:latin typeface="Segoe UI" panose="020B0502040204020203" pitchFamily="34" charset="0"/>
+                <a:cs typeface="Segoe UI" panose="020B0502040204020203" pitchFamily="34" charset="0"/>
               </a:rPr>
               <a:t>SPI x 1</a:t>
             </a:r>
@@ -3627,8 +3631,8 @@
         </p:nvSpPr>
         <p:spPr>
           <a:xfrm>
-            <a:off x="5632452" y="4686323"/>
-            <a:ext cx="682623" cy="292735"/>
+            <a:off x="5731669" y="4686323"/>
+            <a:ext cx="583406" cy="238102"/>
           </a:xfrm>
           <a:prstGeom prst="rect">
             <a:avLst/>
@@ -3662,10 +3666,12 @@
           <a:p>
             <a:pPr algn="ctr"/>
             <a:r>
-              <a:rPr lang="en-ZA" sz="1000" dirty="0">
+              <a:rPr lang="en-ZA" sz="800" dirty="0">
                 <a:solidFill>
                   <a:schemeClr val="tx1"/>
                 </a:solidFill>
+                <a:latin typeface="Segoe UI" panose="020B0502040204020203" pitchFamily="34" charset="0"/>
+                <a:cs typeface="Segoe UI" panose="020B0502040204020203" pitchFamily="34" charset="0"/>
               </a:rPr>
               <a:t>User LED</a:t>
             </a:r>
@@ -3687,7 +3693,7 @@
         <p:spPr>
           <a:xfrm>
             <a:off x="7687911" y="4178302"/>
-            <a:ext cx="889000" cy="236534"/>
+            <a:ext cx="975076" cy="236534"/>
           </a:xfrm>
           <a:prstGeom prst="rect">
             <a:avLst/>
@@ -3721,10 +3727,12 @@
           <a:p>
             <a:pPr algn="ctr"/>
             <a:r>
-              <a:rPr lang="en-ZA" sz="1000" dirty="0">
+              <a:rPr lang="en-ZA" sz="800" dirty="0">
                 <a:solidFill>
                   <a:schemeClr val="tx1"/>
                 </a:solidFill>
+                <a:latin typeface="Segoe UI" panose="020B0502040204020203" pitchFamily="34" charset="0"/>
+                <a:cs typeface="Segoe UI" panose="020B0502040204020203" pitchFamily="34" charset="0"/>
               </a:rPr>
               <a:t>µSD card</a:t>
             </a:r>
@@ -3745,8 +3753,8 @@
         </p:nvSpPr>
         <p:spPr>
           <a:xfrm>
-            <a:off x="7687911" y="3702602"/>
-            <a:ext cx="889000" cy="346393"/>
+            <a:off x="7687910" y="3702602"/>
+            <a:ext cx="975077" cy="346393"/>
           </a:xfrm>
           <a:prstGeom prst="rect">
             <a:avLst/>
@@ -3780,10 +3788,12 @@
           <a:p>
             <a:pPr algn="ctr"/>
             <a:r>
-              <a:rPr lang="en-ZA" sz="1000" dirty="0">
+              <a:rPr lang="en-ZA" sz="800" b="1" dirty="0">
                 <a:solidFill>
                   <a:schemeClr val="tx1"/>
                 </a:solidFill>
+                <a:latin typeface="Segoe UI" panose="020B0502040204020203" pitchFamily="34" charset="0"/>
+                <a:cs typeface="Segoe UI" panose="020B0502040204020203" pitchFamily="34" charset="0"/>
               </a:rPr>
               <a:t>USB1</a:t>
             </a:r>
@@ -3791,12 +3801,14 @@
           <a:p>
             <a:pPr algn="ctr"/>
             <a:r>
-              <a:rPr lang="en-ZA" sz="1000" dirty="0">
+              <a:rPr lang="en-ZA" sz="800" dirty="0">
                 <a:solidFill>
                   <a:schemeClr val="tx1"/>
                 </a:solidFill>
+                <a:latin typeface="Segoe UI" panose="020B0502040204020203" pitchFamily="34" charset="0"/>
+                <a:cs typeface="Segoe UI" panose="020B0502040204020203" pitchFamily="34" charset="0"/>
               </a:rPr>
-              <a:t>(STM32)</a:t>
+              <a:t>STM32</a:t>
             </a:r>
           </a:p>
         </p:txBody>
@@ -3816,7 +3828,7 @@
         <p:spPr>
           <a:xfrm>
             <a:off x="7687911" y="3274297"/>
-            <a:ext cx="1160462" cy="346393"/>
+            <a:ext cx="975077" cy="346393"/>
           </a:xfrm>
           <a:prstGeom prst="rect">
             <a:avLst/>
@@ -3852,10 +3864,12 @@
           <a:p>
             <a:pPr algn="ctr"/>
             <a:r>
-              <a:rPr lang="en-ZA" sz="1000" dirty="0">
+              <a:rPr lang="en-ZA" sz="800" b="1" dirty="0">
                 <a:solidFill>
                   <a:schemeClr val="tx1"/>
                 </a:solidFill>
+                <a:latin typeface="Segoe UI" panose="020B0502040204020203" pitchFamily="34" charset="0"/>
+                <a:cs typeface="Segoe UI" panose="020B0502040204020203" pitchFamily="34" charset="0"/>
               </a:rPr>
               <a:t>USB2</a:t>
             </a:r>
@@ -3863,12 +3877,14 @@
           <a:p>
             <a:pPr algn="ctr"/>
             <a:r>
-              <a:rPr lang="en-ZA" sz="1000" dirty="0">
+              <a:rPr lang="en-ZA" sz="800" dirty="0">
                 <a:solidFill>
                   <a:schemeClr val="tx1"/>
                 </a:solidFill>
+                <a:latin typeface="Segoe UI" panose="020B0502040204020203" pitchFamily="34" charset="0"/>
+                <a:cs typeface="Segoe UI" panose="020B0502040204020203" pitchFamily="34" charset="0"/>
               </a:rPr>
-              <a:t>(USB-Serial Bridge)</a:t>
+              <a:t>USB-Serial Bridge</a:t>
             </a:r>
           </a:p>
         </p:txBody>
@@ -3887,8 +3903,8 @@
         </p:nvSpPr>
         <p:spPr>
           <a:xfrm>
-            <a:off x="6423164" y="4686323"/>
-            <a:ext cx="682623" cy="292735"/>
+            <a:off x="6423165" y="4686324"/>
+            <a:ext cx="583406" cy="238102"/>
           </a:xfrm>
           <a:prstGeom prst="rect">
             <a:avLst/>
@@ -3922,10 +3938,12 @@
           <a:p>
             <a:pPr algn="ctr"/>
             <a:r>
-              <a:rPr lang="en-ZA" sz="1000" dirty="0">
+              <a:rPr lang="en-ZA" sz="800" dirty="0">
                 <a:solidFill>
                   <a:schemeClr val="tx1"/>
                 </a:solidFill>
+                <a:latin typeface="Segoe UI" panose="020B0502040204020203" pitchFamily="34" charset="0"/>
+                <a:cs typeface="Segoe UI" panose="020B0502040204020203" pitchFamily="34" charset="0"/>
               </a:rPr>
               <a:t>User Buttons</a:t>
             </a:r>
@@ -3946,8 +3964,8 @@
         </p:nvSpPr>
         <p:spPr>
           <a:xfrm>
-            <a:off x="6204995" y="1788175"/>
-            <a:ext cx="1263053" cy="431281"/>
+            <a:off x="6362700" y="1905000"/>
+            <a:ext cx="1105348" cy="314456"/>
           </a:xfrm>
           <a:prstGeom prst="rect">
             <a:avLst/>
@@ -3981,10 +3999,12 @@
           <a:p>
             <a:pPr algn="ctr"/>
             <a:r>
-              <a:rPr lang="en-ZA" sz="1000" dirty="0">
+              <a:rPr lang="en-ZA" sz="800" dirty="0">
                 <a:solidFill>
                   <a:schemeClr val="tx1"/>
                 </a:solidFill>
+                <a:latin typeface="Segoe UI" panose="020B0502040204020203" pitchFamily="34" charset="0"/>
+                <a:cs typeface="Segoe UI" panose="020B0502040204020203" pitchFamily="34" charset="0"/>
               </a:rPr>
               <a:t>128x64 Graphic LCD with backlight</a:t>
             </a:r>
@@ -4009,8 +4029,8 @@
         </p:nvCxnSpPr>
         <p:spPr>
           <a:xfrm>
-            <a:off x="4527108" y="3442170"/>
-            <a:ext cx="170656" cy="0"/>
+            <a:off x="4527108" y="3440406"/>
+            <a:ext cx="170656" cy="1764"/>
           </a:xfrm>
           <a:prstGeom prst="straightConnector1">
             <a:avLst/>
@@ -4100,8 +4120,8 @@
         </p:nvCxnSpPr>
         <p:spPr>
           <a:xfrm flipH="1" flipV="1">
-            <a:off x="7510736" y="3788563"/>
-            <a:ext cx="177175" cy="87236"/>
+            <a:off x="7510738" y="3788563"/>
+            <a:ext cx="177172" cy="87236"/>
           </a:xfrm>
           <a:prstGeom prst="straightConnector1">
             <a:avLst/>
@@ -4145,8 +4165,8 @@
         </p:nvCxnSpPr>
         <p:spPr>
           <a:xfrm flipH="1" flipV="1">
-            <a:off x="7480609" y="4127970"/>
-            <a:ext cx="207302" cy="168599"/>
+            <a:off x="7480609" y="4127971"/>
+            <a:ext cx="207302" cy="168598"/>
           </a:xfrm>
           <a:prstGeom prst="straightConnector1">
             <a:avLst/>
@@ -4190,8 +4210,8 @@
         </p:nvCxnSpPr>
         <p:spPr>
           <a:xfrm flipV="1">
-            <a:off x="5973764" y="4158458"/>
-            <a:ext cx="122236" cy="527865"/>
+            <a:off x="6023372" y="4158461"/>
+            <a:ext cx="72628" cy="527862"/>
           </a:xfrm>
           <a:prstGeom prst="straightConnector1">
             <a:avLst/>
@@ -4235,8 +4255,8 @@
         </p:nvCxnSpPr>
         <p:spPr>
           <a:xfrm flipH="1" flipV="1">
-            <a:off x="6460331" y="4624388"/>
-            <a:ext cx="304145" cy="61935"/>
+            <a:off x="6460332" y="4624390"/>
+            <a:ext cx="254536" cy="61934"/>
           </a:xfrm>
           <a:prstGeom prst="straightConnector1">
             <a:avLst/>
@@ -4280,8 +4300,8 @@
         </p:nvCxnSpPr>
         <p:spPr>
           <a:xfrm flipH="1">
-            <a:off x="7283450" y="2647337"/>
-            <a:ext cx="404461" cy="26013"/>
+            <a:off x="7283452" y="2619241"/>
+            <a:ext cx="404458" cy="54109"/>
           </a:xfrm>
           <a:prstGeom prst="straightConnector1">
             <a:avLst/>
@@ -4326,7 +4346,7 @@
         <p:spPr>
           <a:xfrm flipH="1">
             <a:off x="6515100" y="2219456"/>
-            <a:ext cx="321422" cy="536914"/>
+            <a:ext cx="400274" cy="536914"/>
           </a:xfrm>
           <a:prstGeom prst="straightConnector1">
             <a:avLst/>
@@ -4368,7 +4388,7 @@
         <p:spPr>
           <a:xfrm>
             <a:off x="7687911" y="2885073"/>
-            <a:ext cx="889000" cy="315913"/>
+            <a:ext cx="975076" cy="315913"/>
           </a:xfrm>
           <a:prstGeom prst="rect">
             <a:avLst/>
@@ -4402,10 +4422,12 @@
           <a:p>
             <a:pPr algn="ctr"/>
             <a:r>
-              <a:rPr lang="en-ZA" sz="1000" dirty="0">
+              <a:rPr lang="en-ZA" sz="800" dirty="0">
                 <a:solidFill>
                   <a:schemeClr val="tx1"/>
                 </a:solidFill>
+                <a:latin typeface="Segoe UI" panose="020B0502040204020203" pitchFamily="34" charset="0"/>
+                <a:cs typeface="Segoe UI" panose="020B0502040204020203" pitchFamily="34" charset="0"/>
               </a:rPr>
               <a:t>User / Power Button</a:t>
             </a:r>
@@ -4429,8 +4451,8 @@
         </p:nvCxnSpPr>
         <p:spPr>
           <a:xfrm flipH="1" flipV="1">
-            <a:off x="6579394" y="4515929"/>
-            <a:ext cx="185082" cy="170394"/>
+            <a:off x="6579394" y="4515930"/>
+            <a:ext cx="135474" cy="170394"/>
           </a:xfrm>
           <a:prstGeom prst="straightConnector1">
             <a:avLst/>
@@ -4473,9 +4495,9 @@
           <p:nvPr/>
         </p:nvCxnSpPr>
         <p:spPr>
-          <a:xfrm flipH="1" flipV="1">
-            <a:off x="6762887" y="4463688"/>
-            <a:ext cx="1589" cy="222635"/>
+          <a:xfrm flipV="1">
+            <a:off x="6714868" y="4463690"/>
+            <a:ext cx="48020" cy="222634"/>
           </a:xfrm>
           <a:prstGeom prst="straightConnector1">
             <a:avLst/>
@@ -4519,8 +4541,8 @@
         </p:nvCxnSpPr>
         <p:spPr>
           <a:xfrm flipV="1">
-            <a:off x="6764476" y="4515929"/>
-            <a:ext cx="119063" cy="170394"/>
+            <a:off x="6714868" y="4515930"/>
+            <a:ext cx="168671" cy="170394"/>
           </a:xfrm>
           <a:prstGeom prst="straightConnector1">
             <a:avLst/>
@@ -4564,8 +4586,8 @@
         </p:nvCxnSpPr>
         <p:spPr>
           <a:xfrm flipH="1">
-            <a:off x="7283450" y="3043030"/>
-            <a:ext cx="404461" cy="135145"/>
+            <a:off x="7283451" y="3043030"/>
+            <a:ext cx="404460" cy="135145"/>
           </a:xfrm>
           <a:prstGeom prst="straightConnector1">
             <a:avLst/>

--- a/doc/images/hero_board/hero_board_top_annotated.pptx
+++ b/doc/images/hero_board/hero_board_top_annotated.pptx
@@ -261,7 +261,7 @@
           <a:p>
             <a:fld id="{A4A54569-7902-4945-B214-29C88B7567F2}" type="datetimeFigureOut">
               <a:rPr lang="en-ZA" smtClean="0"/>
-              <a:t>2019-11-28</a:t>
+              <a:t>2019-11-29</a:t>
             </a:fld>
             <a:endParaRPr lang="en-ZA"/>
           </a:p>
@@ -461,7 +461,7 @@
           <a:p>
             <a:fld id="{A4A54569-7902-4945-B214-29C88B7567F2}" type="datetimeFigureOut">
               <a:rPr lang="en-ZA" smtClean="0"/>
-              <a:t>2019-11-28</a:t>
+              <a:t>2019-11-29</a:t>
             </a:fld>
             <a:endParaRPr lang="en-ZA"/>
           </a:p>
@@ -671,7 +671,7 @@
           <a:p>
             <a:fld id="{A4A54569-7902-4945-B214-29C88B7567F2}" type="datetimeFigureOut">
               <a:rPr lang="en-ZA" smtClean="0"/>
-              <a:t>2019-11-28</a:t>
+              <a:t>2019-11-29</a:t>
             </a:fld>
             <a:endParaRPr lang="en-ZA"/>
           </a:p>
@@ -871,7 +871,7 @@
           <a:p>
             <a:fld id="{A4A54569-7902-4945-B214-29C88B7567F2}" type="datetimeFigureOut">
               <a:rPr lang="en-ZA" smtClean="0"/>
-              <a:t>2019-11-28</a:t>
+              <a:t>2019-11-29</a:t>
             </a:fld>
             <a:endParaRPr lang="en-ZA"/>
           </a:p>
@@ -1147,7 +1147,7 @@
           <a:p>
             <a:fld id="{A4A54569-7902-4945-B214-29C88B7567F2}" type="datetimeFigureOut">
               <a:rPr lang="en-ZA" smtClean="0"/>
-              <a:t>2019-11-28</a:t>
+              <a:t>2019-11-29</a:t>
             </a:fld>
             <a:endParaRPr lang="en-ZA"/>
           </a:p>
@@ -1415,7 +1415,7 @@
           <a:p>
             <a:fld id="{A4A54569-7902-4945-B214-29C88B7567F2}" type="datetimeFigureOut">
               <a:rPr lang="en-ZA" smtClean="0"/>
-              <a:t>2019-11-28</a:t>
+              <a:t>2019-11-29</a:t>
             </a:fld>
             <a:endParaRPr lang="en-ZA"/>
           </a:p>
@@ -1830,7 +1830,7 @@
           <a:p>
             <a:fld id="{A4A54569-7902-4945-B214-29C88B7567F2}" type="datetimeFigureOut">
               <a:rPr lang="en-ZA" smtClean="0"/>
-              <a:t>2019-11-28</a:t>
+              <a:t>2019-11-29</a:t>
             </a:fld>
             <a:endParaRPr lang="en-ZA"/>
           </a:p>
@@ -1972,7 +1972,7 @@
           <a:p>
             <a:fld id="{A4A54569-7902-4945-B214-29C88B7567F2}" type="datetimeFigureOut">
               <a:rPr lang="en-ZA" smtClean="0"/>
-              <a:t>2019-11-28</a:t>
+              <a:t>2019-11-29</a:t>
             </a:fld>
             <a:endParaRPr lang="en-ZA"/>
           </a:p>
@@ -2085,7 +2085,7 @@
           <a:p>
             <a:fld id="{A4A54569-7902-4945-B214-29C88B7567F2}" type="datetimeFigureOut">
               <a:rPr lang="en-ZA" smtClean="0"/>
-              <a:t>2019-11-28</a:t>
+              <a:t>2019-11-29</a:t>
             </a:fld>
             <a:endParaRPr lang="en-ZA"/>
           </a:p>
@@ -2398,7 +2398,7 @@
           <a:p>
             <a:fld id="{A4A54569-7902-4945-B214-29C88B7567F2}" type="datetimeFigureOut">
               <a:rPr lang="en-ZA" smtClean="0"/>
-              <a:t>2019-11-28</a:t>
+              <a:t>2019-11-29</a:t>
             </a:fld>
             <a:endParaRPr lang="en-ZA"/>
           </a:p>
@@ -2687,7 +2687,7 @@
           <a:p>
             <a:fld id="{A4A54569-7902-4945-B214-29C88B7567F2}" type="datetimeFigureOut">
               <a:rPr lang="en-ZA" smtClean="0"/>
-              <a:t>2019-11-28</a:t>
+              <a:t>2019-11-29</a:t>
             </a:fld>
             <a:endParaRPr lang="en-ZA"/>
           </a:p>
@@ -2930,7 +2930,7 @@
           <a:p>
             <a:fld id="{A4A54569-7902-4945-B214-29C88B7567F2}" type="datetimeFigureOut">
               <a:rPr lang="en-ZA" smtClean="0"/>
-              <a:t>2019-11-28</a:t>
+              <a:t>2019-11-29</a:t>
             </a:fld>
             <a:endParaRPr lang="en-ZA"/>
           </a:p>
@@ -3374,8 +3374,8 @@
         </p:blipFill>
         <p:spPr>
           <a:xfrm>
-            <a:off x="4697764" y="2334900"/>
-            <a:ext cx="2812972" cy="2214539"/>
+            <a:off x="4697764" y="2335311"/>
+            <a:ext cx="2812972" cy="2213717"/>
           </a:xfrm>
           <a:prstGeom prst="rect">
             <a:avLst/>

--- a/doc/images/hero_board/hero_board_top_annotated.pptx
+++ b/doc/images/hero_board/hero_board_top_annotated.pptx
@@ -261,7 +261,7 @@
           <a:p>
             <a:fld id="{A4A54569-7902-4945-B214-29C88B7567F2}" type="datetimeFigureOut">
               <a:rPr lang="en-ZA" smtClean="0"/>
-              <a:t>2019-11-29</a:t>
+              <a:t>2019/12/14</a:t>
             </a:fld>
             <a:endParaRPr lang="en-ZA"/>
           </a:p>
@@ -461,7 +461,7 @@
           <a:p>
             <a:fld id="{A4A54569-7902-4945-B214-29C88B7567F2}" type="datetimeFigureOut">
               <a:rPr lang="en-ZA" smtClean="0"/>
-              <a:t>2019-11-29</a:t>
+              <a:t>2019/12/14</a:t>
             </a:fld>
             <a:endParaRPr lang="en-ZA"/>
           </a:p>
@@ -671,7 +671,7 @@
           <a:p>
             <a:fld id="{A4A54569-7902-4945-B214-29C88B7567F2}" type="datetimeFigureOut">
               <a:rPr lang="en-ZA" smtClean="0"/>
-              <a:t>2019-11-29</a:t>
+              <a:t>2019/12/14</a:t>
             </a:fld>
             <a:endParaRPr lang="en-ZA"/>
           </a:p>
@@ -871,7 +871,7 @@
           <a:p>
             <a:fld id="{A4A54569-7902-4945-B214-29C88B7567F2}" type="datetimeFigureOut">
               <a:rPr lang="en-ZA" smtClean="0"/>
-              <a:t>2019-11-29</a:t>
+              <a:t>2019/12/14</a:t>
             </a:fld>
             <a:endParaRPr lang="en-ZA"/>
           </a:p>
@@ -1147,7 +1147,7 @@
           <a:p>
             <a:fld id="{A4A54569-7902-4945-B214-29C88B7567F2}" type="datetimeFigureOut">
               <a:rPr lang="en-ZA" smtClean="0"/>
-              <a:t>2019-11-29</a:t>
+              <a:t>2019/12/14</a:t>
             </a:fld>
             <a:endParaRPr lang="en-ZA"/>
           </a:p>
@@ -1415,7 +1415,7 @@
           <a:p>
             <a:fld id="{A4A54569-7902-4945-B214-29C88B7567F2}" type="datetimeFigureOut">
               <a:rPr lang="en-ZA" smtClean="0"/>
-              <a:t>2019-11-29</a:t>
+              <a:t>2019/12/14</a:t>
             </a:fld>
             <a:endParaRPr lang="en-ZA"/>
           </a:p>
@@ -1830,7 +1830,7 @@
           <a:p>
             <a:fld id="{A4A54569-7902-4945-B214-29C88B7567F2}" type="datetimeFigureOut">
               <a:rPr lang="en-ZA" smtClean="0"/>
-              <a:t>2019-11-29</a:t>
+              <a:t>2019/12/14</a:t>
             </a:fld>
             <a:endParaRPr lang="en-ZA"/>
           </a:p>
@@ -1972,7 +1972,7 @@
           <a:p>
             <a:fld id="{A4A54569-7902-4945-B214-29C88B7567F2}" type="datetimeFigureOut">
               <a:rPr lang="en-ZA" smtClean="0"/>
-              <a:t>2019-11-29</a:t>
+              <a:t>2019/12/14</a:t>
             </a:fld>
             <a:endParaRPr lang="en-ZA"/>
           </a:p>
@@ -2085,7 +2085,7 @@
           <a:p>
             <a:fld id="{A4A54569-7902-4945-B214-29C88B7567F2}" type="datetimeFigureOut">
               <a:rPr lang="en-ZA" smtClean="0"/>
-              <a:t>2019-11-29</a:t>
+              <a:t>2019/12/14</a:t>
             </a:fld>
             <a:endParaRPr lang="en-ZA"/>
           </a:p>
@@ -2398,7 +2398,7 @@
           <a:p>
             <a:fld id="{A4A54569-7902-4945-B214-29C88B7567F2}" type="datetimeFigureOut">
               <a:rPr lang="en-ZA" smtClean="0"/>
-              <a:t>2019-11-29</a:t>
+              <a:t>2019/12/14</a:t>
             </a:fld>
             <a:endParaRPr lang="en-ZA"/>
           </a:p>
@@ -2687,7 +2687,7 @@
           <a:p>
             <a:fld id="{A4A54569-7902-4945-B214-29C88B7567F2}" type="datetimeFigureOut">
               <a:rPr lang="en-ZA" smtClean="0"/>
-              <a:t>2019-11-29</a:t>
+              <a:t>2019/12/14</a:t>
             </a:fld>
             <a:endParaRPr lang="en-ZA"/>
           </a:p>
@@ -2930,7 +2930,7 @@
           <a:p>
             <a:fld id="{A4A54569-7902-4945-B214-29C88B7567F2}" type="datetimeFigureOut">
               <a:rPr lang="en-ZA" smtClean="0"/>
-              <a:t>2019-11-29</a:t>
+              <a:t>2019/12/14</a:t>
             </a:fld>
             <a:endParaRPr lang="en-ZA"/>
           </a:p>
@@ -3374,8 +3374,8 @@
         </p:blipFill>
         <p:spPr>
           <a:xfrm>
-            <a:off x="4697764" y="2335311"/>
-            <a:ext cx="2812972" cy="2213717"/>
+            <a:off x="4712151" y="2335311"/>
+            <a:ext cx="2784198" cy="2213717"/>
           </a:xfrm>
           <a:prstGeom prst="rect">
             <a:avLst/>
@@ -4300,8 +4300,8 @@
         </p:nvCxnSpPr>
         <p:spPr>
           <a:xfrm flipH="1">
-            <a:off x="7283452" y="2619241"/>
-            <a:ext cx="404458" cy="54109"/>
+            <a:off x="7248525" y="2619241"/>
+            <a:ext cx="439385" cy="0"/>
           </a:xfrm>
           <a:prstGeom prst="straightConnector1">
             <a:avLst/>

--- a/doc/images/hero_board/hero_board_top_annotated.pptx
+++ b/doc/images/hero_board/hero_board_top_annotated.pptx
@@ -261,7 +261,7 @@
           <a:p>
             <a:fld id="{A4A54569-7902-4945-B214-29C88B7567F2}" type="datetimeFigureOut">
               <a:rPr lang="en-ZA" smtClean="0"/>
-              <a:t>2019/12/14</a:t>
+              <a:t>2019/12/18</a:t>
             </a:fld>
             <a:endParaRPr lang="en-ZA"/>
           </a:p>
@@ -461,7 +461,7 @@
           <a:p>
             <a:fld id="{A4A54569-7902-4945-B214-29C88B7567F2}" type="datetimeFigureOut">
               <a:rPr lang="en-ZA" smtClean="0"/>
-              <a:t>2019/12/14</a:t>
+              <a:t>2019/12/18</a:t>
             </a:fld>
             <a:endParaRPr lang="en-ZA"/>
           </a:p>
@@ -671,7 +671,7 @@
           <a:p>
             <a:fld id="{A4A54569-7902-4945-B214-29C88B7567F2}" type="datetimeFigureOut">
               <a:rPr lang="en-ZA" smtClean="0"/>
-              <a:t>2019/12/14</a:t>
+              <a:t>2019/12/18</a:t>
             </a:fld>
             <a:endParaRPr lang="en-ZA"/>
           </a:p>
@@ -871,7 +871,7 @@
           <a:p>
             <a:fld id="{A4A54569-7902-4945-B214-29C88B7567F2}" type="datetimeFigureOut">
               <a:rPr lang="en-ZA" smtClean="0"/>
-              <a:t>2019/12/14</a:t>
+              <a:t>2019/12/18</a:t>
             </a:fld>
             <a:endParaRPr lang="en-ZA"/>
           </a:p>
@@ -1147,7 +1147,7 @@
           <a:p>
             <a:fld id="{A4A54569-7902-4945-B214-29C88B7567F2}" type="datetimeFigureOut">
               <a:rPr lang="en-ZA" smtClean="0"/>
-              <a:t>2019/12/14</a:t>
+              <a:t>2019/12/18</a:t>
             </a:fld>
             <a:endParaRPr lang="en-ZA"/>
           </a:p>
@@ -1415,7 +1415,7 @@
           <a:p>
             <a:fld id="{A4A54569-7902-4945-B214-29C88B7567F2}" type="datetimeFigureOut">
               <a:rPr lang="en-ZA" smtClean="0"/>
-              <a:t>2019/12/14</a:t>
+              <a:t>2019/12/18</a:t>
             </a:fld>
             <a:endParaRPr lang="en-ZA"/>
           </a:p>
@@ -1830,7 +1830,7 @@
           <a:p>
             <a:fld id="{A4A54569-7902-4945-B214-29C88B7567F2}" type="datetimeFigureOut">
               <a:rPr lang="en-ZA" smtClean="0"/>
-              <a:t>2019/12/14</a:t>
+              <a:t>2019/12/18</a:t>
             </a:fld>
             <a:endParaRPr lang="en-ZA"/>
           </a:p>
@@ -1972,7 +1972,7 @@
           <a:p>
             <a:fld id="{A4A54569-7902-4945-B214-29C88B7567F2}" type="datetimeFigureOut">
               <a:rPr lang="en-ZA" smtClean="0"/>
-              <a:t>2019/12/14</a:t>
+              <a:t>2019/12/18</a:t>
             </a:fld>
             <a:endParaRPr lang="en-ZA"/>
           </a:p>
@@ -2085,7 +2085,7 @@
           <a:p>
             <a:fld id="{A4A54569-7902-4945-B214-29C88B7567F2}" type="datetimeFigureOut">
               <a:rPr lang="en-ZA" smtClean="0"/>
-              <a:t>2019/12/14</a:t>
+              <a:t>2019/12/18</a:t>
             </a:fld>
             <a:endParaRPr lang="en-ZA"/>
           </a:p>
@@ -2398,7 +2398,7 @@
           <a:p>
             <a:fld id="{A4A54569-7902-4945-B214-29C88B7567F2}" type="datetimeFigureOut">
               <a:rPr lang="en-ZA" smtClean="0"/>
-              <a:t>2019/12/14</a:t>
+              <a:t>2019/12/18</a:t>
             </a:fld>
             <a:endParaRPr lang="en-ZA"/>
           </a:p>
@@ -2687,7 +2687,7 @@
           <a:p>
             <a:fld id="{A4A54569-7902-4945-B214-29C88B7567F2}" type="datetimeFigureOut">
               <a:rPr lang="en-ZA" smtClean="0"/>
-              <a:t>2019/12/14</a:t>
+              <a:t>2019/12/18</a:t>
             </a:fld>
             <a:endParaRPr lang="en-ZA"/>
           </a:p>
@@ -2930,7 +2930,7 @@
           <a:p>
             <a:fld id="{A4A54569-7902-4945-B214-29C88B7567F2}" type="datetimeFigureOut">
               <a:rPr lang="en-ZA" smtClean="0"/>
-              <a:t>2019/12/14</a:t>
+              <a:t>2019/12/18</a:t>
             </a:fld>
             <a:endParaRPr lang="en-ZA"/>
           </a:p>
@@ -3734,7 +3734,7 @@
                 <a:latin typeface="Segoe UI" panose="020B0502040204020203" pitchFamily="34" charset="0"/>
                 <a:cs typeface="Segoe UI" panose="020B0502040204020203" pitchFamily="34" charset="0"/>
               </a:rPr>
-              <a:t>µSD card</a:t>
+              <a:t>MicroSD card</a:t>
             </a:r>
           </a:p>
         </p:txBody>

--- a/doc/images/hero_board/hero_board_top_annotated.pptx
+++ b/doc/images/hero_board/hero_board_top_annotated.pptx
@@ -261,7 +261,7 @@
           <a:p>
             <a:fld id="{A4A54569-7902-4945-B214-29C88B7567F2}" type="datetimeFigureOut">
               <a:rPr lang="en-ZA" smtClean="0"/>
-              <a:t>2019/12/18</a:t>
+              <a:t>2020/01/18</a:t>
             </a:fld>
             <a:endParaRPr lang="en-ZA"/>
           </a:p>
@@ -461,7 +461,7 @@
           <a:p>
             <a:fld id="{A4A54569-7902-4945-B214-29C88B7567F2}" type="datetimeFigureOut">
               <a:rPr lang="en-ZA" smtClean="0"/>
-              <a:t>2019/12/18</a:t>
+              <a:t>2020/01/18</a:t>
             </a:fld>
             <a:endParaRPr lang="en-ZA"/>
           </a:p>
@@ -671,7 +671,7 @@
           <a:p>
             <a:fld id="{A4A54569-7902-4945-B214-29C88B7567F2}" type="datetimeFigureOut">
               <a:rPr lang="en-ZA" smtClean="0"/>
-              <a:t>2019/12/18</a:t>
+              <a:t>2020/01/18</a:t>
             </a:fld>
             <a:endParaRPr lang="en-ZA"/>
           </a:p>
@@ -871,7 +871,7 @@
           <a:p>
             <a:fld id="{A4A54569-7902-4945-B214-29C88B7567F2}" type="datetimeFigureOut">
               <a:rPr lang="en-ZA" smtClean="0"/>
-              <a:t>2019/12/18</a:t>
+              <a:t>2020/01/18</a:t>
             </a:fld>
             <a:endParaRPr lang="en-ZA"/>
           </a:p>
@@ -1147,7 +1147,7 @@
           <a:p>
             <a:fld id="{A4A54569-7902-4945-B214-29C88B7567F2}" type="datetimeFigureOut">
               <a:rPr lang="en-ZA" smtClean="0"/>
-              <a:t>2019/12/18</a:t>
+              <a:t>2020/01/18</a:t>
             </a:fld>
             <a:endParaRPr lang="en-ZA"/>
           </a:p>
@@ -1415,7 +1415,7 @@
           <a:p>
             <a:fld id="{A4A54569-7902-4945-B214-29C88B7567F2}" type="datetimeFigureOut">
               <a:rPr lang="en-ZA" smtClean="0"/>
-              <a:t>2019/12/18</a:t>
+              <a:t>2020/01/18</a:t>
             </a:fld>
             <a:endParaRPr lang="en-ZA"/>
           </a:p>
@@ -1830,7 +1830,7 @@
           <a:p>
             <a:fld id="{A4A54569-7902-4945-B214-29C88B7567F2}" type="datetimeFigureOut">
               <a:rPr lang="en-ZA" smtClean="0"/>
-              <a:t>2019/12/18</a:t>
+              <a:t>2020/01/18</a:t>
             </a:fld>
             <a:endParaRPr lang="en-ZA"/>
           </a:p>
@@ -1972,7 +1972,7 @@
           <a:p>
             <a:fld id="{A4A54569-7902-4945-B214-29C88B7567F2}" type="datetimeFigureOut">
               <a:rPr lang="en-ZA" smtClean="0"/>
-              <a:t>2019/12/18</a:t>
+              <a:t>2020/01/18</a:t>
             </a:fld>
             <a:endParaRPr lang="en-ZA"/>
           </a:p>
@@ -2085,7 +2085,7 @@
           <a:p>
             <a:fld id="{A4A54569-7902-4945-B214-29C88B7567F2}" type="datetimeFigureOut">
               <a:rPr lang="en-ZA" smtClean="0"/>
-              <a:t>2019/12/18</a:t>
+              <a:t>2020/01/18</a:t>
             </a:fld>
             <a:endParaRPr lang="en-ZA"/>
           </a:p>
@@ -2398,7 +2398,7 @@
           <a:p>
             <a:fld id="{A4A54569-7902-4945-B214-29C88B7567F2}" type="datetimeFigureOut">
               <a:rPr lang="en-ZA" smtClean="0"/>
-              <a:t>2019/12/18</a:t>
+              <a:t>2020/01/18</a:t>
             </a:fld>
             <a:endParaRPr lang="en-ZA"/>
           </a:p>
@@ -2687,7 +2687,7 @@
           <a:p>
             <a:fld id="{A4A54569-7902-4945-B214-29C88B7567F2}" type="datetimeFigureOut">
               <a:rPr lang="en-ZA" smtClean="0"/>
-              <a:t>2019/12/18</a:t>
+              <a:t>2020/01/18</a:t>
             </a:fld>
             <a:endParaRPr lang="en-ZA"/>
           </a:p>
@@ -2930,7 +2930,7 @@
           <a:p>
             <a:fld id="{A4A54569-7902-4945-B214-29C88B7567F2}" type="datetimeFigureOut">
               <a:rPr lang="en-ZA" smtClean="0"/>
-              <a:t>2019/12/18</a:t>
+              <a:t>2020/01/18</a:t>
             </a:fld>
             <a:endParaRPr lang="en-ZA"/>
           </a:p>
@@ -3374,8 +3374,8 @@
         </p:blipFill>
         <p:spPr>
           <a:xfrm>
-            <a:off x="4712151" y="2335311"/>
-            <a:ext cx="2784198" cy="2213717"/>
+            <a:off x="4712151" y="2344868"/>
+            <a:ext cx="2784198" cy="2194603"/>
           </a:xfrm>
           <a:prstGeom prst="rect">
             <a:avLst/>

--- a/doc/images/hero_board/hero_board_top_annotated.pptx
+++ b/doc/images/hero_board/hero_board_top_annotated.pptx
@@ -261,7 +261,7 @@
           <a:p>
             <a:fld id="{A4A54569-7902-4945-B214-29C88B7567F2}" type="datetimeFigureOut">
               <a:rPr lang="en-ZA" smtClean="0"/>
-              <a:t>2020/01/18</a:t>
+              <a:t>2020/01/26</a:t>
             </a:fld>
             <a:endParaRPr lang="en-ZA"/>
           </a:p>
@@ -461,7 +461,7 @@
           <a:p>
             <a:fld id="{A4A54569-7902-4945-B214-29C88B7567F2}" type="datetimeFigureOut">
               <a:rPr lang="en-ZA" smtClean="0"/>
-              <a:t>2020/01/18</a:t>
+              <a:t>2020/01/26</a:t>
             </a:fld>
             <a:endParaRPr lang="en-ZA"/>
           </a:p>
@@ -671,7 +671,7 @@
           <a:p>
             <a:fld id="{A4A54569-7902-4945-B214-29C88B7567F2}" type="datetimeFigureOut">
               <a:rPr lang="en-ZA" smtClean="0"/>
-              <a:t>2020/01/18</a:t>
+              <a:t>2020/01/26</a:t>
             </a:fld>
             <a:endParaRPr lang="en-ZA"/>
           </a:p>
@@ -871,7 +871,7 @@
           <a:p>
             <a:fld id="{A4A54569-7902-4945-B214-29C88B7567F2}" type="datetimeFigureOut">
               <a:rPr lang="en-ZA" smtClean="0"/>
-              <a:t>2020/01/18</a:t>
+              <a:t>2020/01/26</a:t>
             </a:fld>
             <a:endParaRPr lang="en-ZA"/>
           </a:p>
@@ -1147,7 +1147,7 @@
           <a:p>
             <a:fld id="{A4A54569-7902-4945-B214-29C88B7567F2}" type="datetimeFigureOut">
               <a:rPr lang="en-ZA" smtClean="0"/>
-              <a:t>2020/01/18</a:t>
+              <a:t>2020/01/26</a:t>
             </a:fld>
             <a:endParaRPr lang="en-ZA"/>
           </a:p>
@@ -1415,7 +1415,7 @@
           <a:p>
             <a:fld id="{A4A54569-7902-4945-B214-29C88B7567F2}" type="datetimeFigureOut">
               <a:rPr lang="en-ZA" smtClean="0"/>
-              <a:t>2020/01/18</a:t>
+              <a:t>2020/01/26</a:t>
             </a:fld>
             <a:endParaRPr lang="en-ZA"/>
           </a:p>
@@ -1830,7 +1830,7 @@
           <a:p>
             <a:fld id="{A4A54569-7902-4945-B214-29C88B7567F2}" type="datetimeFigureOut">
               <a:rPr lang="en-ZA" smtClean="0"/>
-              <a:t>2020/01/18</a:t>
+              <a:t>2020/01/26</a:t>
             </a:fld>
             <a:endParaRPr lang="en-ZA"/>
           </a:p>
@@ -1972,7 +1972,7 @@
           <a:p>
             <a:fld id="{A4A54569-7902-4945-B214-29C88B7567F2}" type="datetimeFigureOut">
               <a:rPr lang="en-ZA" smtClean="0"/>
-              <a:t>2020/01/18</a:t>
+              <a:t>2020/01/26</a:t>
             </a:fld>
             <a:endParaRPr lang="en-ZA"/>
           </a:p>
@@ -2085,7 +2085,7 @@
           <a:p>
             <a:fld id="{A4A54569-7902-4945-B214-29C88B7567F2}" type="datetimeFigureOut">
               <a:rPr lang="en-ZA" smtClean="0"/>
-              <a:t>2020/01/18</a:t>
+              <a:t>2020/01/26</a:t>
             </a:fld>
             <a:endParaRPr lang="en-ZA"/>
           </a:p>
@@ -2398,7 +2398,7 @@
           <a:p>
             <a:fld id="{A4A54569-7902-4945-B214-29C88B7567F2}" type="datetimeFigureOut">
               <a:rPr lang="en-ZA" smtClean="0"/>
-              <a:t>2020/01/18</a:t>
+              <a:t>2020/01/26</a:t>
             </a:fld>
             <a:endParaRPr lang="en-ZA"/>
           </a:p>
@@ -2687,7 +2687,7 @@
           <a:p>
             <a:fld id="{A4A54569-7902-4945-B214-29C88B7567F2}" type="datetimeFigureOut">
               <a:rPr lang="en-ZA" smtClean="0"/>
-              <a:t>2020/01/18</a:t>
+              <a:t>2020/01/26</a:t>
             </a:fld>
             <a:endParaRPr lang="en-ZA"/>
           </a:p>
@@ -2930,7 +2930,7 @@
           <a:p>
             <a:fld id="{A4A54569-7902-4945-B214-29C88B7567F2}" type="datetimeFigureOut">
               <a:rPr lang="en-ZA" smtClean="0"/>
-              <a:t>2020/01/18</a:t>
+              <a:t>2020/01/26</a:t>
             </a:fld>
             <a:endParaRPr lang="en-ZA"/>
           </a:p>
@@ -3374,8 +3374,8 @@
         </p:blipFill>
         <p:spPr>
           <a:xfrm>
-            <a:off x="4712151" y="2344868"/>
-            <a:ext cx="2784198" cy="2194603"/>
+            <a:off x="4722057" y="2344868"/>
+            <a:ext cx="2764385" cy="2194603"/>
           </a:xfrm>
           <a:prstGeom prst="rect">
             <a:avLst/>

--- a/doc/images/hero_board/hero_board_top_annotated.pptx
+++ b/doc/images/hero_board/hero_board_top_annotated.pptx
@@ -3374,8 +3374,8 @@
         </p:blipFill>
         <p:spPr>
           <a:xfrm>
-            <a:off x="4722057" y="2344868"/>
-            <a:ext cx="2764385" cy="2194603"/>
+            <a:off x="3265139" y="1181623"/>
+            <a:ext cx="5661722" cy="4494754"/>
           </a:xfrm>
           <a:prstGeom prst="rect">
             <a:avLst/>
@@ -3384,10 +3384,10 @@
       </p:pic>
       <p:sp>
         <p:nvSpPr>
-          <p:cNvPr id="14" name="Rectangle 13">
-            <a:extLst>
-              <a:ext uri="{FF2B5EF4-FFF2-40B4-BE49-F238E27FC236}">
-                <a16:creationId xmlns:a16="http://schemas.microsoft.com/office/drawing/2014/main" id="{0F873589-CD98-4364-BC59-554CEC0C8ACD}"/>
+          <p:cNvPr id="22" name="Rectangle 21">
+            <a:extLst>
+              <a:ext uri="{FF2B5EF4-FFF2-40B4-BE49-F238E27FC236}">
+                <a16:creationId xmlns:a16="http://schemas.microsoft.com/office/drawing/2014/main" id="{1A1FF4DE-E9CE-4010-AA20-A6E22A7353D2}"/>
               </a:ext>
             </a:extLst>
           </p:cNvPr>
@@ -3396,16 +3396,14 @@
         </p:nvSpPr>
         <p:spPr>
           <a:xfrm>
-            <a:off x="7687910" y="2482715"/>
-            <a:ext cx="975076" cy="273052"/>
+            <a:off x="7156580" y="195943"/>
+            <a:ext cx="647370" cy="596047"/>
           </a:xfrm>
           <a:prstGeom prst="rect">
             <a:avLst/>
           </a:prstGeom>
-          <a:solidFill>
-            <a:srgbClr val="EFE5A3"/>
-          </a:solidFill>
-          <a:ln>
+          <a:noFill/>
+          <a:ln w="38100">
             <a:solidFill>
               <a:srgbClr val="C0A820"/>
             </a:solidFill>
@@ -3433,24 +3431,69 @@
           <a:p>
             <a:pPr algn="ctr"/>
             <a:r>
-              <a:rPr lang="en-ZA" sz="800" dirty="0">
+              <a:rPr lang="en-ZA" sz="4400" b="1" dirty="0">
                 <a:solidFill>
                   <a:schemeClr val="tx1"/>
                 </a:solidFill>
                 <a:latin typeface="Segoe UI" panose="020B0502040204020203" pitchFamily="34" charset="0"/>
                 <a:cs typeface="Segoe UI" panose="020B0502040204020203" pitchFamily="34" charset="0"/>
               </a:rPr>
-              <a:t>Charger LED</a:t>
-            </a:r>
-          </a:p>
-        </p:txBody>
-      </p:sp>
-      <p:sp>
-        <p:nvSpPr>
-          <p:cNvPr id="15" name="Rectangle 14">
-            <a:extLst>
-              <a:ext uri="{FF2B5EF4-FFF2-40B4-BE49-F238E27FC236}">
-                <a16:creationId xmlns:a16="http://schemas.microsoft.com/office/drawing/2014/main" id="{510AB0E2-3AF2-48E8-B721-FF27B792FA67}"/>
+              <a:t>A</a:t>
+            </a:r>
+          </a:p>
+        </p:txBody>
+      </p:sp>
+      <p:cxnSp>
+        <p:nvCxnSpPr>
+          <p:cNvPr id="66" name="Straight Arrow Connector 65">
+            <a:extLst>
+              <a:ext uri="{FF2B5EF4-FFF2-40B4-BE49-F238E27FC236}">
+                <a16:creationId xmlns:a16="http://schemas.microsoft.com/office/drawing/2014/main" id="{C5A4E214-B940-415F-BB30-11217B34E9C3}"/>
+              </a:ext>
+            </a:extLst>
+          </p:cNvPr>
+          <p:cNvCxnSpPr>
+            <a:cxnSpLocks/>
+            <a:stCxn id="22" idx="2"/>
+          </p:cNvCxnSpPr>
+          <p:nvPr/>
+        </p:nvCxnSpPr>
+        <p:spPr>
+          <a:xfrm flipH="1">
+            <a:off x="6848671" y="791990"/>
+            <a:ext cx="631594" cy="1232753"/>
+          </a:xfrm>
+          <a:prstGeom prst="straightConnector1">
+            <a:avLst/>
+          </a:prstGeom>
+          <a:ln w="38100">
+            <a:solidFill>
+              <a:srgbClr val="C0A820"/>
+            </a:solidFill>
+            <a:tailEnd type="triangle"/>
+          </a:ln>
+        </p:spPr>
+        <p:style>
+          <a:lnRef idx="1">
+            <a:schemeClr val="accent1"/>
+          </a:lnRef>
+          <a:fillRef idx="0">
+            <a:schemeClr val="accent1"/>
+          </a:fillRef>
+          <a:effectRef idx="0">
+            <a:schemeClr val="accent1"/>
+          </a:effectRef>
+          <a:fontRef idx="minor">
+            <a:schemeClr val="tx1"/>
+          </a:fontRef>
+        </p:style>
+      </p:cxnSp>
+      <p:sp>
+        <p:nvSpPr>
+          <p:cNvPr id="26" name="Rectangle 25">
+            <a:extLst>
+              <a:ext uri="{FF2B5EF4-FFF2-40B4-BE49-F238E27FC236}">
+                <a16:creationId xmlns:a16="http://schemas.microsoft.com/office/drawing/2014/main" id="{AF34D5C7-39F8-4E1D-BB69-5A55CC151223}"/>
               </a:ext>
             </a:extLst>
           </p:cNvPr>
@@ -3459,14 +3502,14 @@
         </p:nvSpPr>
         <p:spPr>
           <a:xfrm>
-            <a:off x="3283028" y="2885073"/>
-            <a:ext cx="1244080" cy="1110665"/>
+            <a:off x="9259078" y="1259536"/>
+            <a:ext cx="647370" cy="597159"/>
           </a:xfrm>
           <a:prstGeom prst="rect">
             <a:avLst/>
           </a:prstGeom>
           <a:noFill/>
-          <a:ln>
+          <a:ln w="38100">
             <a:solidFill>
               <a:srgbClr val="C0A820"/>
             </a:solidFill>
@@ -3492,137 +3535,71 @@
           <a:bodyPr rtlCol="0" anchor="ctr"/>
           <a:lstStyle/>
           <a:p>
-            <a:r>
-              <a:rPr lang="en-ZA" sz="800" b="1" dirty="0">
+            <a:pPr algn="ctr"/>
+            <a:r>
+              <a:rPr lang="en-ZA" sz="4400" b="1" dirty="0">
                 <a:solidFill>
                   <a:schemeClr val="tx1"/>
                 </a:solidFill>
                 <a:latin typeface="Segoe UI" panose="020B0502040204020203" pitchFamily="34" charset="0"/>
                 <a:cs typeface="Segoe UI" panose="020B0502040204020203" pitchFamily="34" charset="0"/>
               </a:rPr>
-              <a:t>Peripheral Connector</a:t>
-            </a:r>
-          </a:p>
-          <a:p>
-            <a:pPr marL="171450" indent="-171450">
-              <a:buFont typeface="Arial" panose="020B0604020202020204" pitchFamily="34" charset="0"/>
-              <a:buChar char="•"/>
-            </a:pPr>
-            <a:r>
-              <a:rPr lang="en-ZA" sz="800" dirty="0">
-                <a:solidFill>
-                  <a:schemeClr val="tx1"/>
-                </a:solidFill>
-                <a:latin typeface="Segoe UI" panose="020B0502040204020203" pitchFamily="34" charset="0"/>
-                <a:cs typeface="Segoe UI" panose="020B0502040204020203" pitchFamily="34" charset="0"/>
-              </a:rPr>
-              <a:t>PWR</a:t>
-            </a:r>
-          </a:p>
-          <a:p>
-            <a:pPr marL="171450" indent="-171450">
-              <a:buFont typeface="Arial" panose="020B0604020202020204" pitchFamily="34" charset="0"/>
-              <a:buChar char="•"/>
-            </a:pPr>
-            <a:r>
-              <a:rPr lang="en-ZA" sz="800" dirty="0">
-                <a:solidFill>
-                  <a:schemeClr val="tx1"/>
-                </a:solidFill>
-                <a:latin typeface="Segoe UI" panose="020B0502040204020203" pitchFamily="34" charset="0"/>
-                <a:cs typeface="Segoe UI" panose="020B0502040204020203" pitchFamily="34" charset="0"/>
-              </a:rPr>
-              <a:t>ADC x 4</a:t>
-            </a:r>
-          </a:p>
-          <a:p>
-            <a:pPr marL="171450" indent="-171450">
-              <a:buFont typeface="Arial" panose="020B0604020202020204" pitchFamily="34" charset="0"/>
-              <a:buChar char="•"/>
-            </a:pPr>
-            <a:r>
-              <a:rPr lang="en-ZA" sz="800" dirty="0">
-                <a:solidFill>
-                  <a:schemeClr val="tx1"/>
-                </a:solidFill>
-                <a:latin typeface="Segoe UI" panose="020B0502040204020203" pitchFamily="34" charset="0"/>
-                <a:cs typeface="Segoe UI" panose="020B0502040204020203" pitchFamily="34" charset="0"/>
-              </a:rPr>
-              <a:t>DAC x 1</a:t>
-            </a:r>
-          </a:p>
-          <a:p>
-            <a:pPr marL="171450" indent="-171450">
-              <a:buFont typeface="Arial" panose="020B0604020202020204" pitchFamily="34" charset="0"/>
-              <a:buChar char="•"/>
-            </a:pPr>
-            <a:r>
-              <a:rPr lang="en-ZA" sz="800" dirty="0">
-                <a:solidFill>
-                  <a:schemeClr val="tx1"/>
-                </a:solidFill>
-                <a:latin typeface="Segoe UI" panose="020B0502040204020203" pitchFamily="34" charset="0"/>
-                <a:cs typeface="Segoe UI" panose="020B0502040204020203" pitchFamily="34" charset="0"/>
-              </a:rPr>
-              <a:t>GPIO x 8 / PWM x 4</a:t>
-            </a:r>
-          </a:p>
-          <a:p>
-            <a:pPr marL="171450" indent="-171450">
-              <a:buFont typeface="Arial" panose="020B0604020202020204" pitchFamily="34" charset="0"/>
-              <a:buChar char="•"/>
-            </a:pPr>
-            <a:r>
-              <a:rPr lang="en-ZA" sz="800" dirty="0">
-                <a:solidFill>
-                  <a:schemeClr val="tx1"/>
-                </a:solidFill>
-                <a:latin typeface="Segoe UI" panose="020B0502040204020203" pitchFamily="34" charset="0"/>
-                <a:cs typeface="Segoe UI" panose="020B0502040204020203" pitchFamily="34" charset="0"/>
-              </a:rPr>
-              <a:t>UART x 2</a:t>
-            </a:r>
-          </a:p>
-          <a:p>
-            <a:pPr marL="171450" indent="-171450">
-              <a:buFont typeface="Arial" panose="020B0604020202020204" pitchFamily="34" charset="0"/>
-              <a:buChar char="•"/>
-            </a:pPr>
-            <a:r>
-              <a:rPr lang="en-ZA" sz="800" dirty="0">
-                <a:solidFill>
-                  <a:schemeClr val="tx1"/>
-                </a:solidFill>
-                <a:latin typeface="Segoe UI" panose="020B0502040204020203" pitchFamily="34" charset="0"/>
-                <a:cs typeface="Segoe UI" panose="020B0502040204020203" pitchFamily="34" charset="0"/>
-              </a:rPr>
-              <a:t>I2C x 1</a:t>
-            </a:r>
-          </a:p>
-          <a:p>
-            <a:pPr marL="171450" indent="-171450">
-              <a:buFont typeface="Arial" panose="020B0604020202020204" pitchFamily="34" charset="0"/>
-              <a:buChar char="•"/>
-            </a:pPr>
-            <a:r>
-              <a:rPr lang="en-ZA" sz="800" dirty="0">
-                <a:solidFill>
-                  <a:schemeClr val="tx1"/>
-                </a:solidFill>
-                <a:latin typeface="Segoe UI" panose="020B0502040204020203" pitchFamily="34" charset="0"/>
-                <a:cs typeface="Segoe UI" panose="020B0502040204020203" pitchFamily="34" charset="0"/>
-              </a:rPr>
-              <a:t>SPI x 1</a:t>
-            </a:r>
-          </a:p>
-        </p:txBody>
-      </p:sp>
-      <p:sp>
-        <p:nvSpPr>
-          <p:cNvPr id="16" name="Rectangle 15">
-            <a:extLst>
-              <a:ext uri="{FF2B5EF4-FFF2-40B4-BE49-F238E27FC236}">
-                <a16:creationId xmlns:a16="http://schemas.microsoft.com/office/drawing/2014/main" id="{0EA3715B-32C3-4393-9080-A4C9F59D474C}"/>
+              <a:t>B</a:t>
+            </a:r>
+          </a:p>
+        </p:txBody>
+      </p:sp>
+      <p:cxnSp>
+        <p:nvCxnSpPr>
+          <p:cNvPr id="27" name="Straight Arrow Connector 26">
+            <a:extLst>
+              <a:ext uri="{FF2B5EF4-FFF2-40B4-BE49-F238E27FC236}">
+                <a16:creationId xmlns:a16="http://schemas.microsoft.com/office/drawing/2014/main" id="{DE5FB4D9-DE44-4EA2-8556-06D53826C0D0}"/>
+              </a:ext>
+            </a:extLst>
+          </p:cNvPr>
+          <p:cNvCxnSpPr>
+            <a:cxnSpLocks/>
+            <a:stCxn id="26" idx="1"/>
+          </p:cNvCxnSpPr>
+          <p:nvPr/>
+        </p:nvCxnSpPr>
+        <p:spPr>
+          <a:xfrm flipH="1">
+            <a:off x="8434873" y="1558116"/>
+            <a:ext cx="824205" cy="121394"/>
+          </a:xfrm>
+          <a:prstGeom prst="straightConnector1">
+            <a:avLst/>
+          </a:prstGeom>
+          <a:ln w="38100">
+            <a:solidFill>
+              <a:srgbClr val="C0A820"/>
+            </a:solidFill>
+            <a:tailEnd type="triangle"/>
+          </a:ln>
+        </p:spPr>
+        <p:style>
+          <a:lnRef idx="1">
+            <a:schemeClr val="accent1"/>
+          </a:lnRef>
+          <a:fillRef idx="0">
+            <a:schemeClr val="accent1"/>
+          </a:fillRef>
+          <a:effectRef idx="0">
+            <a:schemeClr val="accent1"/>
+          </a:effectRef>
+          <a:fontRef idx="minor">
+            <a:schemeClr val="tx1"/>
+          </a:fontRef>
+        </p:style>
+      </p:cxnSp>
+      <p:sp>
+        <p:nvSpPr>
+          <p:cNvPr id="36" name="Rectangle 35">
+            <a:extLst>
+              <a:ext uri="{FF2B5EF4-FFF2-40B4-BE49-F238E27FC236}">
+                <a16:creationId xmlns:a16="http://schemas.microsoft.com/office/drawing/2014/main" id="{9B49FF4E-A8A9-46F9-A3D5-FF5467EE5AF4}"/>
               </a:ext>
             </a:extLst>
           </p:cNvPr>
@@ -3631,14 +3608,14 @@
         </p:nvSpPr>
         <p:spPr>
           <a:xfrm>
-            <a:off x="5731669" y="4686323"/>
-            <a:ext cx="583406" cy="238102"/>
+            <a:off x="9264621" y="2072757"/>
+            <a:ext cx="647370" cy="597159"/>
           </a:xfrm>
           <a:prstGeom prst="rect">
             <a:avLst/>
           </a:prstGeom>
           <a:noFill/>
-          <a:ln>
+          <a:ln w="38100">
             <a:solidFill>
               <a:srgbClr val="C0A820"/>
             </a:solidFill>
@@ -3666,24 +3643,69 @@
           <a:p>
             <a:pPr algn="ctr"/>
             <a:r>
-              <a:rPr lang="en-ZA" sz="800" dirty="0">
+              <a:rPr lang="en-ZA" sz="4400" b="1" dirty="0">
                 <a:solidFill>
                   <a:schemeClr val="tx1"/>
                 </a:solidFill>
                 <a:latin typeface="Segoe UI" panose="020B0502040204020203" pitchFamily="34" charset="0"/>
                 <a:cs typeface="Segoe UI" panose="020B0502040204020203" pitchFamily="34" charset="0"/>
               </a:rPr>
-              <a:t>User LED</a:t>
-            </a:r>
-          </a:p>
-        </p:txBody>
-      </p:sp>
-      <p:sp>
-        <p:nvSpPr>
-          <p:cNvPr id="17" name="Rectangle 16">
-            <a:extLst>
-              <a:ext uri="{FF2B5EF4-FFF2-40B4-BE49-F238E27FC236}">
-                <a16:creationId xmlns:a16="http://schemas.microsoft.com/office/drawing/2014/main" id="{70FF8969-2578-4FF8-B3D1-CA834D8F9207}"/>
+              <a:t>C</a:t>
+            </a:r>
+          </a:p>
+        </p:txBody>
+      </p:sp>
+      <p:cxnSp>
+        <p:nvCxnSpPr>
+          <p:cNvPr id="38" name="Straight Arrow Connector 37">
+            <a:extLst>
+              <a:ext uri="{FF2B5EF4-FFF2-40B4-BE49-F238E27FC236}">
+                <a16:creationId xmlns:a16="http://schemas.microsoft.com/office/drawing/2014/main" id="{F8D631DB-9259-426E-8874-52CDD1A6A237}"/>
+              </a:ext>
+            </a:extLst>
+          </p:cNvPr>
+          <p:cNvCxnSpPr>
+            <a:cxnSpLocks/>
+            <a:stCxn id="36" idx="1"/>
+          </p:cNvCxnSpPr>
+          <p:nvPr/>
+        </p:nvCxnSpPr>
+        <p:spPr>
+          <a:xfrm flipH="1">
+            <a:off x="8266922" y="2371337"/>
+            <a:ext cx="997699" cy="427847"/>
+          </a:xfrm>
+          <a:prstGeom prst="straightConnector1">
+            <a:avLst/>
+          </a:prstGeom>
+          <a:ln w="38100">
+            <a:solidFill>
+              <a:srgbClr val="C0A820"/>
+            </a:solidFill>
+            <a:tailEnd type="triangle"/>
+          </a:ln>
+        </p:spPr>
+        <p:style>
+          <a:lnRef idx="1">
+            <a:schemeClr val="accent1"/>
+          </a:lnRef>
+          <a:fillRef idx="0">
+            <a:schemeClr val="accent1"/>
+          </a:fillRef>
+          <a:effectRef idx="0">
+            <a:schemeClr val="accent1"/>
+          </a:effectRef>
+          <a:fontRef idx="minor">
+            <a:schemeClr val="tx1"/>
+          </a:fontRef>
+        </p:style>
+      </p:cxnSp>
+      <p:sp>
+        <p:nvSpPr>
+          <p:cNvPr id="39" name="Rectangle 38">
+            <a:extLst>
+              <a:ext uri="{FF2B5EF4-FFF2-40B4-BE49-F238E27FC236}">
+                <a16:creationId xmlns:a16="http://schemas.microsoft.com/office/drawing/2014/main" id="{B11E577C-5FA0-4DE0-AC6A-EBFF35706132}"/>
               </a:ext>
             </a:extLst>
           </p:cNvPr>
@@ -3692,14 +3714,14 @@
         </p:nvSpPr>
         <p:spPr>
           <a:xfrm>
-            <a:off x="7687911" y="4178302"/>
-            <a:ext cx="975076" cy="236534"/>
+            <a:off x="9259078" y="2885978"/>
+            <a:ext cx="647370" cy="597159"/>
           </a:xfrm>
           <a:prstGeom prst="rect">
             <a:avLst/>
           </a:prstGeom>
           <a:noFill/>
-          <a:ln>
+          <a:ln w="38100">
             <a:solidFill>
               <a:srgbClr val="C0A820"/>
             </a:solidFill>
@@ -3727,24 +3749,24 @@
           <a:p>
             <a:pPr algn="ctr"/>
             <a:r>
-              <a:rPr lang="en-ZA" sz="800" dirty="0">
+              <a:rPr lang="en-ZA" sz="4400" b="1" dirty="0">
                 <a:solidFill>
                   <a:schemeClr val="tx1"/>
                 </a:solidFill>
                 <a:latin typeface="Segoe UI" panose="020B0502040204020203" pitchFamily="34" charset="0"/>
                 <a:cs typeface="Segoe UI" panose="020B0502040204020203" pitchFamily="34" charset="0"/>
               </a:rPr>
-              <a:t>MicroSD card</a:t>
-            </a:r>
-          </a:p>
-        </p:txBody>
-      </p:sp>
-      <p:sp>
-        <p:nvSpPr>
-          <p:cNvPr id="18" name="Rectangle 17">
-            <a:extLst>
-              <a:ext uri="{FF2B5EF4-FFF2-40B4-BE49-F238E27FC236}">
-                <a16:creationId xmlns:a16="http://schemas.microsoft.com/office/drawing/2014/main" id="{E0D29A58-DA8C-4A17-B92D-4B79CB1C7F79}"/>
+              <a:t>D</a:t>
+            </a:r>
+          </a:p>
+        </p:txBody>
+      </p:sp>
+      <p:sp>
+        <p:nvSpPr>
+          <p:cNvPr id="41" name="Rectangle 40">
+            <a:extLst>
+              <a:ext uri="{FF2B5EF4-FFF2-40B4-BE49-F238E27FC236}">
+                <a16:creationId xmlns:a16="http://schemas.microsoft.com/office/drawing/2014/main" id="{5B1F0BC6-0F18-4E57-8B0A-9E4EB3B7743E}"/>
               </a:ext>
             </a:extLst>
           </p:cNvPr>
@@ -3753,14 +3775,14 @@
         </p:nvSpPr>
         <p:spPr>
           <a:xfrm>
-            <a:off x="7687910" y="3702602"/>
-            <a:ext cx="975077" cy="346393"/>
+            <a:off x="9259078" y="3699199"/>
+            <a:ext cx="647370" cy="597159"/>
           </a:xfrm>
           <a:prstGeom prst="rect">
             <a:avLst/>
           </a:prstGeom>
           <a:noFill/>
-          <a:ln>
+          <a:ln w="38100">
             <a:solidFill>
               <a:srgbClr val="C0A820"/>
             </a:solidFill>
@@ -3788,37 +3810,24 @@
           <a:p>
             <a:pPr algn="ctr"/>
             <a:r>
-              <a:rPr lang="en-ZA" sz="800" b="1" dirty="0">
+              <a:rPr lang="en-ZA" sz="4400" b="1" dirty="0">
                 <a:solidFill>
                   <a:schemeClr val="tx1"/>
                 </a:solidFill>
                 <a:latin typeface="Segoe UI" panose="020B0502040204020203" pitchFamily="34" charset="0"/>
                 <a:cs typeface="Segoe UI" panose="020B0502040204020203" pitchFamily="34" charset="0"/>
               </a:rPr>
-              <a:t>USB1</a:t>
-            </a:r>
-          </a:p>
-          <a:p>
-            <a:pPr algn="ctr"/>
-            <a:r>
-              <a:rPr lang="en-ZA" sz="800" dirty="0">
-                <a:solidFill>
-                  <a:schemeClr val="tx1"/>
-                </a:solidFill>
-                <a:latin typeface="Segoe UI" panose="020B0502040204020203" pitchFamily="34" charset="0"/>
-                <a:cs typeface="Segoe UI" panose="020B0502040204020203" pitchFamily="34" charset="0"/>
-              </a:rPr>
-              <a:t>STM32</a:t>
-            </a:r>
-          </a:p>
-        </p:txBody>
-      </p:sp>
-      <p:sp>
-        <p:nvSpPr>
-          <p:cNvPr id="19" name="Rectangle 18">
-            <a:extLst>
-              <a:ext uri="{FF2B5EF4-FFF2-40B4-BE49-F238E27FC236}">
-                <a16:creationId xmlns:a16="http://schemas.microsoft.com/office/drawing/2014/main" id="{3AEE1236-AF19-41C2-85F7-D192C10C99C0}"/>
+              <a:t>E</a:t>
+            </a:r>
+          </a:p>
+        </p:txBody>
+      </p:sp>
+      <p:sp>
+        <p:nvSpPr>
+          <p:cNvPr id="42" name="Rectangle 41">
+            <a:extLst>
+              <a:ext uri="{FF2B5EF4-FFF2-40B4-BE49-F238E27FC236}">
+                <a16:creationId xmlns:a16="http://schemas.microsoft.com/office/drawing/2014/main" id="{DB1A1AD8-E47D-4260-AC24-8AAF9013684A}"/>
               </a:ext>
             </a:extLst>
           </p:cNvPr>
@@ -3827,16 +3836,14 @@
         </p:nvSpPr>
         <p:spPr>
           <a:xfrm>
-            <a:off x="7687911" y="3274297"/>
-            <a:ext cx="975077" cy="346393"/>
+            <a:off x="9259078" y="4512420"/>
+            <a:ext cx="647370" cy="597159"/>
           </a:xfrm>
           <a:prstGeom prst="rect">
             <a:avLst/>
           </a:prstGeom>
-          <a:solidFill>
-            <a:srgbClr val="EFE5A3"/>
-          </a:solidFill>
-          <a:ln>
+          <a:noFill/>
+          <a:ln w="38100">
             <a:solidFill>
               <a:srgbClr val="C0A820"/>
             </a:solidFill>
@@ -3864,37 +3871,24 @@
           <a:p>
             <a:pPr algn="ctr"/>
             <a:r>
-              <a:rPr lang="en-ZA" sz="800" b="1" dirty="0">
+              <a:rPr lang="en-ZA" sz="4400" b="1" dirty="0">
                 <a:solidFill>
                   <a:schemeClr val="tx1"/>
                 </a:solidFill>
                 <a:latin typeface="Segoe UI" panose="020B0502040204020203" pitchFamily="34" charset="0"/>
                 <a:cs typeface="Segoe UI" panose="020B0502040204020203" pitchFamily="34" charset="0"/>
               </a:rPr>
-              <a:t>USB2</a:t>
-            </a:r>
-          </a:p>
-          <a:p>
-            <a:pPr algn="ctr"/>
-            <a:r>
-              <a:rPr lang="en-ZA" sz="800" dirty="0">
-                <a:solidFill>
-                  <a:schemeClr val="tx1"/>
-                </a:solidFill>
-                <a:latin typeface="Segoe UI" panose="020B0502040204020203" pitchFamily="34" charset="0"/>
-                <a:cs typeface="Segoe UI" panose="020B0502040204020203" pitchFamily="34" charset="0"/>
-              </a:rPr>
-              <a:t>USB-Serial Bridge</a:t>
-            </a:r>
-          </a:p>
-        </p:txBody>
-      </p:sp>
-      <p:sp>
-        <p:nvSpPr>
-          <p:cNvPr id="21" name="Rectangle 20">
-            <a:extLst>
-              <a:ext uri="{FF2B5EF4-FFF2-40B4-BE49-F238E27FC236}">
-                <a16:creationId xmlns:a16="http://schemas.microsoft.com/office/drawing/2014/main" id="{7DFCA3A0-F3FD-43E4-A031-888C83C69F89}"/>
+              <a:t>F</a:t>
+            </a:r>
+          </a:p>
+        </p:txBody>
+      </p:sp>
+      <p:sp>
+        <p:nvSpPr>
+          <p:cNvPr id="44" name="Rectangle 43">
+            <a:extLst>
+              <a:ext uri="{FF2B5EF4-FFF2-40B4-BE49-F238E27FC236}">
+                <a16:creationId xmlns:a16="http://schemas.microsoft.com/office/drawing/2014/main" id="{91193492-3927-4216-8696-66D40B46A89B}"/>
               </a:ext>
             </a:extLst>
           </p:cNvPr>
@@ -3903,14 +3897,14 @@
         </p:nvSpPr>
         <p:spPr>
           <a:xfrm>
-            <a:off x="6423165" y="4686324"/>
-            <a:ext cx="583406" cy="238102"/>
+            <a:off x="6743370" y="5868469"/>
+            <a:ext cx="647370" cy="597159"/>
           </a:xfrm>
           <a:prstGeom prst="rect">
             <a:avLst/>
           </a:prstGeom>
           <a:noFill/>
-          <a:ln>
+          <a:ln w="38100">
             <a:solidFill>
               <a:srgbClr val="C0A820"/>
             </a:solidFill>
@@ -3938,24 +3932,24 @@
           <a:p>
             <a:pPr algn="ctr"/>
             <a:r>
-              <a:rPr lang="en-ZA" sz="800" dirty="0">
+              <a:rPr lang="en-ZA" sz="4400" b="1" dirty="0">
                 <a:solidFill>
                   <a:schemeClr val="tx1"/>
                 </a:solidFill>
                 <a:latin typeface="Segoe UI" panose="020B0502040204020203" pitchFamily="34" charset="0"/>
                 <a:cs typeface="Segoe UI" panose="020B0502040204020203" pitchFamily="34" charset="0"/>
               </a:rPr>
-              <a:t>User Buttons</a:t>
-            </a:r>
-          </a:p>
-        </p:txBody>
-      </p:sp>
-      <p:sp>
-        <p:nvSpPr>
-          <p:cNvPr id="22" name="Rectangle 21">
-            <a:extLst>
-              <a:ext uri="{FF2B5EF4-FFF2-40B4-BE49-F238E27FC236}">
-                <a16:creationId xmlns:a16="http://schemas.microsoft.com/office/drawing/2014/main" id="{1A1FF4DE-E9CE-4010-AA20-A6E22A7353D2}"/>
+              <a:t>G</a:t>
+            </a:r>
+          </a:p>
+        </p:txBody>
+      </p:sp>
+      <p:sp>
+        <p:nvSpPr>
+          <p:cNvPr id="45" name="Rectangle 44">
+            <a:extLst>
+              <a:ext uri="{FF2B5EF4-FFF2-40B4-BE49-F238E27FC236}">
+                <a16:creationId xmlns:a16="http://schemas.microsoft.com/office/drawing/2014/main" id="{16D8EA9A-5DF2-4F76-AD7A-CE9C78D13537}"/>
               </a:ext>
             </a:extLst>
           </p:cNvPr>
@@ -3964,14 +3958,14 @@
         </p:nvSpPr>
         <p:spPr>
           <a:xfrm>
-            <a:off x="6362700" y="1905000"/>
-            <a:ext cx="1105348" cy="314456"/>
+            <a:off x="5772315" y="5868469"/>
+            <a:ext cx="647370" cy="597159"/>
           </a:xfrm>
           <a:prstGeom prst="rect">
             <a:avLst/>
           </a:prstGeom>
           <a:noFill/>
-          <a:ln>
+          <a:ln w="38100">
             <a:solidFill>
               <a:srgbClr val="C0A820"/>
             </a:solidFill>
@@ -3999,43 +3993,42 @@
           <a:p>
             <a:pPr algn="ctr"/>
             <a:r>
-              <a:rPr lang="en-ZA" sz="800" dirty="0">
+              <a:rPr lang="en-ZA" sz="4400" b="1" dirty="0">
                 <a:solidFill>
                   <a:schemeClr val="tx1"/>
                 </a:solidFill>
                 <a:latin typeface="Segoe UI" panose="020B0502040204020203" pitchFamily="34" charset="0"/>
                 <a:cs typeface="Segoe UI" panose="020B0502040204020203" pitchFamily="34" charset="0"/>
               </a:rPr>
-              <a:t>128x64 Graphic LCD with backlight</a:t>
+              <a:t>H</a:t>
             </a:r>
           </a:p>
         </p:txBody>
       </p:sp>
       <p:cxnSp>
         <p:nvCxnSpPr>
-          <p:cNvPr id="23" name="Straight Arrow Connector 22">
-            <a:extLst>
-              <a:ext uri="{FF2B5EF4-FFF2-40B4-BE49-F238E27FC236}">
-                <a16:creationId xmlns:a16="http://schemas.microsoft.com/office/drawing/2014/main" id="{964D4BBF-B519-4C2C-8A2B-2101617E416A}"/>
+          <p:cNvPr id="47" name="Straight Arrow Connector 46">
+            <a:extLst>
+              <a:ext uri="{FF2B5EF4-FFF2-40B4-BE49-F238E27FC236}">
+                <a16:creationId xmlns:a16="http://schemas.microsoft.com/office/drawing/2014/main" id="{80CC7610-46DC-4BF1-BD43-8967207B909F}"/>
               </a:ext>
             </a:extLst>
           </p:cNvPr>
           <p:cNvCxnSpPr>
             <a:cxnSpLocks/>
-            <a:stCxn id="15" idx="3"/>
-            <a:endCxn id="92" idx="1"/>
+            <a:stCxn id="39" idx="1"/>
           </p:cNvCxnSpPr>
           <p:nvPr/>
         </p:nvCxnSpPr>
         <p:spPr>
-          <a:xfrm>
-            <a:off x="4527108" y="3440406"/>
-            <a:ext cx="170656" cy="1764"/>
+          <a:xfrm flipH="1">
+            <a:off x="8947150" y="3184558"/>
+            <a:ext cx="311928" cy="129268"/>
           </a:xfrm>
           <a:prstGeom prst="straightConnector1">
             <a:avLst/>
           </a:prstGeom>
-          <a:ln w="12700">
+          <a:ln w="38100">
             <a:solidFill>
               <a:srgbClr val="C0A820"/>
             </a:solidFill>
@@ -4059,29 +4052,28 @@
       </p:cxnSp>
       <p:cxnSp>
         <p:nvCxnSpPr>
-          <p:cNvPr id="34" name="Straight Arrow Connector 33">
-            <a:extLst>
-              <a:ext uri="{FF2B5EF4-FFF2-40B4-BE49-F238E27FC236}">
-                <a16:creationId xmlns:a16="http://schemas.microsoft.com/office/drawing/2014/main" id="{7B80DC16-BA41-48E7-940C-E2F9E7BC0C2D}"/>
+          <p:cNvPr id="48" name="Straight Arrow Connector 47">
+            <a:extLst>
+              <a:ext uri="{FF2B5EF4-FFF2-40B4-BE49-F238E27FC236}">
+                <a16:creationId xmlns:a16="http://schemas.microsoft.com/office/drawing/2014/main" id="{9B424EDB-7CF2-4650-9F80-C8CE6608C209}"/>
               </a:ext>
             </a:extLst>
           </p:cNvPr>
           <p:cNvCxnSpPr>
             <a:cxnSpLocks/>
-            <a:stCxn id="19" idx="1"/>
-            <a:endCxn id="92" idx="3"/>
+            <a:stCxn id="41" idx="1"/>
           </p:cNvCxnSpPr>
           <p:nvPr/>
         </p:nvCxnSpPr>
         <p:spPr>
-          <a:xfrm flipH="1" flipV="1">
-            <a:off x="7510736" y="3442170"/>
-            <a:ext cx="177175" cy="5324"/>
+          <a:xfrm flipH="1">
+            <a:off x="8947150" y="3997779"/>
+            <a:ext cx="311928" cy="10692"/>
           </a:xfrm>
           <a:prstGeom prst="straightConnector1">
             <a:avLst/>
           </a:prstGeom>
-          <a:ln w="12700">
+          <a:ln w="38100">
             <a:solidFill>
               <a:srgbClr val="C0A820"/>
             </a:solidFill>
@@ -4105,28 +4097,28 @@
       </p:cxnSp>
       <p:cxnSp>
         <p:nvCxnSpPr>
-          <p:cNvPr id="37" name="Straight Arrow Connector 36">
-            <a:extLst>
-              <a:ext uri="{FF2B5EF4-FFF2-40B4-BE49-F238E27FC236}">
-                <a16:creationId xmlns:a16="http://schemas.microsoft.com/office/drawing/2014/main" id="{4D5F3A42-F5F6-4CD1-9960-B2E53CE48E10}"/>
+          <p:cNvPr id="51" name="Straight Arrow Connector 50">
+            <a:extLst>
+              <a:ext uri="{FF2B5EF4-FFF2-40B4-BE49-F238E27FC236}">
+                <a16:creationId xmlns:a16="http://schemas.microsoft.com/office/drawing/2014/main" id="{71B77332-49C8-4D02-AED3-575BE6CC405E}"/>
               </a:ext>
             </a:extLst>
           </p:cNvPr>
           <p:cNvCxnSpPr>
             <a:cxnSpLocks/>
-            <a:stCxn id="18" idx="1"/>
+            <a:stCxn id="42" idx="1"/>
           </p:cNvCxnSpPr>
           <p:nvPr/>
         </p:nvCxnSpPr>
         <p:spPr>
           <a:xfrm flipH="1" flipV="1">
-            <a:off x="7510738" y="3788563"/>
-            <a:ext cx="177172" cy="87236"/>
+            <a:off x="8845420" y="4809639"/>
+            <a:ext cx="413658" cy="1361"/>
           </a:xfrm>
           <a:prstGeom prst="straightConnector1">
             <a:avLst/>
           </a:prstGeom>
-          <a:ln w="12700">
+          <a:ln w="38100">
             <a:solidFill>
               <a:srgbClr val="C0A820"/>
             </a:solidFill>
@@ -4150,28 +4142,28 @@
       </p:cxnSp>
       <p:cxnSp>
         <p:nvCxnSpPr>
-          <p:cNvPr id="40" name="Straight Arrow Connector 39">
-            <a:extLst>
-              <a:ext uri="{FF2B5EF4-FFF2-40B4-BE49-F238E27FC236}">
-                <a16:creationId xmlns:a16="http://schemas.microsoft.com/office/drawing/2014/main" id="{6DAF2808-4C8E-4D52-A9AC-F997E9F8A2C1}"/>
+          <p:cNvPr id="54" name="Straight Arrow Connector 53">
+            <a:extLst>
+              <a:ext uri="{FF2B5EF4-FFF2-40B4-BE49-F238E27FC236}">
+                <a16:creationId xmlns:a16="http://schemas.microsoft.com/office/drawing/2014/main" id="{2552F266-C3CE-4DBB-97EC-3CE10105D6C8}"/>
               </a:ext>
             </a:extLst>
           </p:cNvPr>
           <p:cNvCxnSpPr>
             <a:cxnSpLocks/>
-            <a:stCxn id="17" idx="1"/>
+            <a:stCxn id="44" idx="0"/>
           </p:cNvCxnSpPr>
           <p:nvPr/>
         </p:nvCxnSpPr>
         <p:spPr>
-          <a:xfrm flipH="1" flipV="1">
-            <a:off x="7480609" y="4127971"/>
-            <a:ext cx="207302" cy="168598"/>
+          <a:xfrm flipV="1">
+            <a:off x="7067055" y="5225143"/>
+            <a:ext cx="0" cy="643326"/>
           </a:xfrm>
           <a:prstGeom prst="straightConnector1">
             <a:avLst/>
           </a:prstGeom>
-          <a:ln w="12700">
+          <a:ln w="38100">
             <a:solidFill>
               <a:srgbClr val="C0A820"/>
             </a:solidFill>
@@ -4195,28 +4187,28 @@
       </p:cxnSp>
       <p:cxnSp>
         <p:nvCxnSpPr>
-          <p:cNvPr id="43" name="Straight Arrow Connector 42">
-            <a:extLst>
-              <a:ext uri="{FF2B5EF4-FFF2-40B4-BE49-F238E27FC236}">
-                <a16:creationId xmlns:a16="http://schemas.microsoft.com/office/drawing/2014/main" id="{5295B4AF-DDB6-4A37-8367-A1D09B266AEF}"/>
+          <p:cNvPr id="57" name="Straight Arrow Connector 56">
+            <a:extLst>
+              <a:ext uri="{FF2B5EF4-FFF2-40B4-BE49-F238E27FC236}">
+                <a16:creationId xmlns:a16="http://schemas.microsoft.com/office/drawing/2014/main" id="{91CA6962-2DAD-4572-9A0B-568A7FEF14B6}"/>
               </a:ext>
             </a:extLst>
           </p:cNvPr>
           <p:cNvCxnSpPr>
             <a:cxnSpLocks/>
-            <a:stCxn id="16" idx="0"/>
+            <a:stCxn id="45" idx="0"/>
           </p:cNvCxnSpPr>
           <p:nvPr/>
         </p:nvCxnSpPr>
         <p:spPr>
-          <a:xfrm flipV="1">
-            <a:off x="6023372" y="4158461"/>
-            <a:ext cx="72628" cy="527862"/>
+          <a:xfrm flipH="1" flipV="1">
+            <a:off x="6095999" y="4879910"/>
+            <a:ext cx="1" cy="988559"/>
           </a:xfrm>
           <a:prstGeom prst="straightConnector1">
             <a:avLst/>
           </a:prstGeom>
-          <a:ln w="12700">
+          <a:ln w="38100">
             <a:solidFill>
               <a:srgbClr val="C0A820"/>
             </a:solidFill>
@@ -4238,147 +4230,12 @@
           </a:fontRef>
         </p:style>
       </p:cxnSp>
-      <p:cxnSp>
-        <p:nvCxnSpPr>
-          <p:cNvPr id="46" name="Straight Arrow Connector 45">
-            <a:extLst>
-              <a:ext uri="{FF2B5EF4-FFF2-40B4-BE49-F238E27FC236}">
-                <a16:creationId xmlns:a16="http://schemas.microsoft.com/office/drawing/2014/main" id="{723804EC-4A06-4036-95DD-88AE59217575}"/>
-              </a:ext>
-            </a:extLst>
-          </p:cNvPr>
-          <p:cNvCxnSpPr>
-            <a:cxnSpLocks/>
-            <a:stCxn id="21" idx="0"/>
-          </p:cNvCxnSpPr>
-          <p:nvPr/>
-        </p:nvCxnSpPr>
-        <p:spPr>
-          <a:xfrm flipH="1" flipV="1">
-            <a:off x="6460332" y="4624390"/>
-            <a:ext cx="254536" cy="61934"/>
-          </a:xfrm>
-          <a:prstGeom prst="straightConnector1">
-            <a:avLst/>
-          </a:prstGeom>
-          <a:ln w="12700">
-            <a:solidFill>
-              <a:srgbClr val="C0A820"/>
-            </a:solidFill>
-            <a:tailEnd type="triangle"/>
-          </a:ln>
-        </p:spPr>
-        <p:style>
-          <a:lnRef idx="1">
-            <a:schemeClr val="accent1"/>
-          </a:lnRef>
-          <a:fillRef idx="0">
-            <a:schemeClr val="accent1"/>
-          </a:fillRef>
-          <a:effectRef idx="0">
-            <a:schemeClr val="accent1"/>
-          </a:effectRef>
-          <a:fontRef idx="minor">
-            <a:schemeClr val="tx1"/>
-          </a:fontRef>
-        </p:style>
-      </p:cxnSp>
-      <p:cxnSp>
-        <p:nvCxnSpPr>
-          <p:cNvPr id="58" name="Straight Arrow Connector 57">
-            <a:extLst>
-              <a:ext uri="{FF2B5EF4-FFF2-40B4-BE49-F238E27FC236}">
-                <a16:creationId xmlns:a16="http://schemas.microsoft.com/office/drawing/2014/main" id="{2655EAC4-0866-46B3-9D82-2759422352F6}"/>
-              </a:ext>
-            </a:extLst>
-          </p:cNvPr>
-          <p:cNvCxnSpPr>
-            <a:cxnSpLocks/>
-            <a:stCxn id="14" idx="1"/>
-          </p:cNvCxnSpPr>
-          <p:nvPr/>
-        </p:nvCxnSpPr>
-        <p:spPr>
-          <a:xfrm flipH="1">
-            <a:off x="7248525" y="2619241"/>
-            <a:ext cx="439385" cy="0"/>
-          </a:xfrm>
-          <a:prstGeom prst="straightConnector1">
-            <a:avLst/>
-          </a:prstGeom>
-          <a:ln w="12700">
-            <a:solidFill>
-              <a:srgbClr val="C0A820"/>
-            </a:solidFill>
-            <a:tailEnd type="triangle"/>
-          </a:ln>
-        </p:spPr>
-        <p:style>
-          <a:lnRef idx="1">
-            <a:schemeClr val="accent1"/>
-          </a:lnRef>
-          <a:fillRef idx="0">
-            <a:schemeClr val="accent1"/>
-          </a:fillRef>
-          <a:effectRef idx="0">
-            <a:schemeClr val="accent1"/>
-          </a:effectRef>
-          <a:fontRef idx="minor">
-            <a:schemeClr val="tx1"/>
-          </a:fontRef>
-        </p:style>
-      </p:cxnSp>
-      <p:cxnSp>
-        <p:nvCxnSpPr>
-          <p:cNvPr id="66" name="Straight Arrow Connector 65">
-            <a:extLst>
-              <a:ext uri="{FF2B5EF4-FFF2-40B4-BE49-F238E27FC236}">
-                <a16:creationId xmlns:a16="http://schemas.microsoft.com/office/drawing/2014/main" id="{C5A4E214-B940-415F-BB30-11217B34E9C3}"/>
-              </a:ext>
-            </a:extLst>
-          </p:cNvPr>
-          <p:cNvCxnSpPr>
-            <a:cxnSpLocks/>
-            <a:stCxn id="22" idx="2"/>
-          </p:cNvCxnSpPr>
-          <p:nvPr/>
-        </p:nvCxnSpPr>
-        <p:spPr>
-          <a:xfrm flipH="1">
-            <a:off x="6515100" y="2219456"/>
-            <a:ext cx="400274" cy="536914"/>
-          </a:xfrm>
-          <a:prstGeom prst="straightConnector1">
-            <a:avLst/>
-          </a:prstGeom>
-          <a:ln w="12700">
-            <a:solidFill>
-              <a:srgbClr val="C0A820"/>
-            </a:solidFill>
-            <a:tailEnd type="triangle"/>
-          </a:ln>
-        </p:spPr>
-        <p:style>
-          <a:lnRef idx="1">
-            <a:schemeClr val="accent1"/>
-          </a:lnRef>
-          <a:fillRef idx="0">
-            <a:schemeClr val="accent1"/>
-          </a:fillRef>
-          <a:effectRef idx="0">
-            <a:schemeClr val="accent1"/>
-          </a:effectRef>
-          <a:fontRef idx="minor">
-            <a:schemeClr val="tx1"/>
-          </a:fontRef>
-        </p:style>
-      </p:cxnSp>
-      <p:sp>
-        <p:nvSpPr>
-          <p:cNvPr id="93" name="Rectangle 92">
-            <a:extLst>
-              <a:ext uri="{FF2B5EF4-FFF2-40B4-BE49-F238E27FC236}">
-                <a16:creationId xmlns:a16="http://schemas.microsoft.com/office/drawing/2014/main" id="{A01E6270-D4E1-4E42-8851-A0B045076B74}"/>
+      <p:sp>
+        <p:nvSpPr>
+          <p:cNvPr id="19" name="Rectangle 18">
+            <a:extLst>
+              <a:ext uri="{FF2B5EF4-FFF2-40B4-BE49-F238E27FC236}">
+                <a16:creationId xmlns:a16="http://schemas.microsoft.com/office/drawing/2014/main" id="{31BA1030-BE46-4BE2-BF51-5CF1E0458DF3}"/>
               </a:ext>
             </a:extLst>
           </p:cNvPr>
@@ -4387,14 +4244,14 @@
         </p:nvSpPr>
         <p:spPr>
           <a:xfrm>
-            <a:off x="7687911" y="2885073"/>
-            <a:ext cx="975076" cy="315913"/>
+            <a:off x="2273795" y="2885977"/>
+            <a:ext cx="647370" cy="597159"/>
           </a:xfrm>
           <a:prstGeom prst="rect">
             <a:avLst/>
           </a:prstGeom>
           <a:noFill/>
-          <a:ln>
+          <a:ln w="38100">
             <a:solidFill>
               <a:srgbClr val="C0A820"/>
             </a:solidFill>
@@ -4422,42 +4279,42 @@
           <a:p>
             <a:pPr algn="ctr"/>
             <a:r>
-              <a:rPr lang="en-ZA" sz="800" dirty="0">
+              <a:rPr lang="en-ZA" sz="4400" b="1" dirty="0">
                 <a:solidFill>
                   <a:schemeClr val="tx1"/>
                 </a:solidFill>
                 <a:latin typeface="Segoe UI" panose="020B0502040204020203" pitchFamily="34" charset="0"/>
                 <a:cs typeface="Segoe UI" panose="020B0502040204020203" pitchFamily="34" charset="0"/>
               </a:rPr>
-              <a:t>User / Power Button</a:t>
+              <a:t>I</a:t>
             </a:r>
           </a:p>
         </p:txBody>
       </p:sp>
       <p:cxnSp>
         <p:nvCxnSpPr>
-          <p:cNvPr id="103" name="Straight Arrow Connector 102">
-            <a:extLst>
-              <a:ext uri="{FF2B5EF4-FFF2-40B4-BE49-F238E27FC236}">
-                <a16:creationId xmlns:a16="http://schemas.microsoft.com/office/drawing/2014/main" id="{2FEF2E7B-50B6-4C95-A5D0-86E12685698D}"/>
+          <p:cNvPr id="20" name="Straight Arrow Connector 19">
+            <a:extLst>
+              <a:ext uri="{FF2B5EF4-FFF2-40B4-BE49-F238E27FC236}">
+                <a16:creationId xmlns:a16="http://schemas.microsoft.com/office/drawing/2014/main" id="{3F8E9F06-E413-488B-86C3-3927D62430D9}"/>
               </a:ext>
             </a:extLst>
           </p:cNvPr>
           <p:cNvCxnSpPr>
             <a:cxnSpLocks/>
-            <a:stCxn id="21" idx="0"/>
+            <a:stCxn id="19" idx="3"/>
           </p:cNvCxnSpPr>
           <p:nvPr/>
         </p:nvCxnSpPr>
         <p:spPr>
-          <a:xfrm flipH="1" flipV="1">
-            <a:off x="6579394" y="4515930"/>
-            <a:ext cx="135474" cy="170394"/>
+          <a:xfrm flipV="1">
+            <a:off x="2921165" y="3171776"/>
+            <a:ext cx="323685" cy="12781"/>
           </a:xfrm>
           <a:prstGeom prst="straightConnector1">
             <a:avLst/>
           </a:prstGeom>
-          <a:ln w="12700">
+          <a:ln w="38100">
             <a:solidFill>
               <a:srgbClr val="C0A820"/>
             </a:solidFill>
@@ -4481,28 +4338,28 @@
       </p:cxnSp>
       <p:cxnSp>
         <p:nvCxnSpPr>
-          <p:cNvPr id="105" name="Straight Arrow Connector 104">
-            <a:extLst>
-              <a:ext uri="{FF2B5EF4-FFF2-40B4-BE49-F238E27FC236}">
-                <a16:creationId xmlns:a16="http://schemas.microsoft.com/office/drawing/2014/main" id="{C1BF7CE9-43B4-4531-A663-F6410B2EACE2}"/>
+          <p:cNvPr id="21" name="Straight Arrow Connector 20">
+            <a:extLst>
+              <a:ext uri="{FF2B5EF4-FFF2-40B4-BE49-F238E27FC236}">
+                <a16:creationId xmlns:a16="http://schemas.microsoft.com/office/drawing/2014/main" id="{D1ACB008-9AD6-4424-8FF7-97A44BD9A0C7}"/>
               </a:ext>
             </a:extLst>
           </p:cNvPr>
           <p:cNvCxnSpPr>
             <a:cxnSpLocks/>
-            <a:stCxn id="21" idx="0"/>
+            <a:stCxn id="44" idx="0"/>
           </p:cNvCxnSpPr>
           <p:nvPr/>
         </p:nvCxnSpPr>
         <p:spPr>
-          <a:xfrm flipV="1">
-            <a:off x="6714868" y="4463690"/>
-            <a:ext cx="48020" cy="222634"/>
+          <a:xfrm flipH="1" flipV="1">
+            <a:off x="6743370" y="5318620"/>
+            <a:ext cx="323685" cy="549849"/>
           </a:xfrm>
           <a:prstGeom prst="straightConnector1">
             <a:avLst/>
           </a:prstGeom>
-          <a:ln w="12700">
+          <a:ln w="38100">
             <a:solidFill>
               <a:srgbClr val="C0A820"/>
             </a:solidFill>
@@ -4526,73 +4383,28 @@
       </p:cxnSp>
       <p:cxnSp>
         <p:nvCxnSpPr>
-          <p:cNvPr id="108" name="Straight Arrow Connector 107">
-            <a:extLst>
-              <a:ext uri="{FF2B5EF4-FFF2-40B4-BE49-F238E27FC236}">
-                <a16:creationId xmlns:a16="http://schemas.microsoft.com/office/drawing/2014/main" id="{E441D819-1ABE-406C-96B1-8D9509D5B963}"/>
+          <p:cNvPr id="23" name="Straight Arrow Connector 22">
+            <a:extLst>
+              <a:ext uri="{FF2B5EF4-FFF2-40B4-BE49-F238E27FC236}">
+                <a16:creationId xmlns:a16="http://schemas.microsoft.com/office/drawing/2014/main" id="{79615FDE-8A51-4C31-B34D-252C3A2320D1}"/>
               </a:ext>
             </a:extLst>
           </p:cNvPr>
           <p:cNvCxnSpPr>
             <a:cxnSpLocks/>
-            <a:stCxn id="21" idx="0"/>
+            <a:stCxn id="44" idx="0"/>
           </p:cNvCxnSpPr>
           <p:nvPr/>
         </p:nvCxnSpPr>
         <p:spPr>
           <a:xfrm flipV="1">
-            <a:off x="6714868" y="4515930"/>
-            <a:ext cx="168671" cy="170394"/>
+            <a:off x="7067055" y="5318620"/>
+            <a:ext cx="323685" cy="549849"/>
           </a:xfrm>
           <a:prstGeom prst="straightConnector1">
             <a:avLst/>
           </a:prstGeom>
-          <a:ln w="12700">
-            <a:solidFill>
-              <a:srgbClr val="C0A820"/>
-            </a:solidFill>
-            <a:tailEnd type="triangle"/>
-          </a:ln>
-        </p:spPr>
-        <p:style>
-          <a:lnRef idx="1">
-            <a:schemeClr val="accent1"/>
-          </a:lnRef>
-          <a:fillRef idx="0">
-            <a:schemeClr val="accent1"/>
-          </a:fillRef>
-          <a:effectRef idx="0">
-            <a:schemeClr val="accent1"/>
-          </a:effectRef>
-          <a:fontRef idx="minor">
-            <a:schemeClr val="tx1"/>
-          </a:fontRef>
-        </p:style>
-      </p:cxnSp>
-      <p:cxnSp>
-        <p:nvCxnSpPr>
-          <p:cNvPr id="120" name="Straight Arrow Connector 119">
-            <a:extLst>
-              <a:ext uri="{FF2B5EF4-FFF2-40B4-BE49-F238E27FC236}">
-                <a16:creationId xmlns:a16="http://schemas.microsoft.com/office/drawing/2014/main" id="{C75CC961-3305-49CD-B4AE-C1F4C80435E3}"/>
-              </a:ext>
-            </a:extLst>
-          </p:cNvPr>
-          <p:cNvCxnSpPr>
-            <a:cxnSpLocks/>
-            <a:stCxn id="93" idx="1"/>
-          </p:cNvCxnSpPr>
-          <p:nvPr/>
-        </p:nvCxnSpPr>
-        <p:spPr>
-          <a:xfrm flipH="1">
-            <a:off x="7283451" y="3043030"/>
-            <a:ext cx="404460" cy="135145"/>
-          </a:xfrm>
-          <a:prstGeom prst="straightConnector1">
-            <a:avLst/>
-          </a:prstGeom>
-          <a:ln w="12700">
+          <a:ln w="38100">
             <a:solidFill>
               <a:srgbClr val="C0A820"/>
             </a:solidFill>

--- a/doc/images/hero_board/hero_board_top_annotated.pptx
+++ b/doc/images/hero_board/hero_board_top_annotated.pptx
@@ -261,7 +261,7 @@
           <a:p>
             <a:fld id="{A4A54569-7902-4945-B214-29C88B7567F2}" type="datetimeFigureOut">
               <a:rPr lang="en-ZA" smtClean="0"/>
-              <a:t>2020/01/26</a:t>
+              <a:t>2020-05-20</a:t>
             </a:fld>
             <a:endParaRPr lang="en-ZA"/>
           </a:p>
@@ -461,7 +461,7 @@
           <a:p>
             <a:fld id="{A4A54569-7902-4945-B214-29C88B7567F2}" type="datetimeFigureOut">
               <a:rPr lang="en-ZA" smtClean="0"/>
-              <a:t>2020/01/26</a:t>
+              <a:t>2020-05-20</a:t>
             </a:fld>
             <a:endParaRPr lang="en-ZA"/>
           </a:p>
@@ -671,7 +671,7 @@
           <a:p>
             <a:fld id="{A4A54569-7902-4945-B214-29C88B7567F2}" type="datetimeFigureOut">
               <a:rPr lang="en-ZA" smtClean="0"/>
-              <a:t>2020/01/26</a:t>
+              <a:t>2020-05-20</a:t>
             </a:fld>
             <a:endParaRPr lang="en-ZA"/>
           </a:p>
@@ -871,7 +871,7 @@
           <a:p>
             <a:fld id="{A4A54569-7902-4945-B214-29C88B7567F2}" type="datetimeFigureOut">
               <a:rPr lang="en-ZA" smtClean="0"/>
-              <a:t>2020/01/26</a:t>
+              <a:t>2020-05-20</a:t>
             </a:fld>
             <a:endParaRPr lang="en-ZA"/>
           </a:p>
@@ -1147,7 +1147,7 @@
           <a:p>
             <a:fld id="{A4A54569-7902-4945-B214-29C88B7567F2}" type="datetimeFigureOut">
               <a:rPr lang="en-ZA" smtClean="0"/>
-              <a:t>2020/01/26</a:t>
+              <a:t>2020-05-20</a:t>
             </a:fld>
             <a:endParaRPr lang="en-ZA"/>
           </a:p>
@@ -1415,7 +1415,7 @@
           <a:p>
             <a:fld id="{A4A54569-7902-4945-B214-29C88B7567F2}" type="datetimeFigureOut">
               <a:rPr lang="en-ZA" smtClean="0"/>
-              <a:t>2020/01/26</a:t>
+              <a:t>2020-05-20</a:t>
             </a:fld>
             <a:endParaRPr lang="en-ZA"/>
           </a:p>
@@ -1830,7 +1830,7 @@
           <a:p>
             <a:fld id="{A4A54569-7902-4945-B214-29C88B7567F2}" type="datetimeFigureOut">
               <a:rPr lang="en-ZA" smtClean="0"/>
-              <a:t>2020/01/26</a:t>
+              <a:t>2020-05-20</a:t>
             </a:fld>
             <a:endParaRPr lang="en-ZA"/>
           </a:p>
@@ -1972,7 +1972,7 @@
           <a:p>
             <a:fld id="{A4A54569-7902-4945-B214-29C88B7567F2}" type="datetimeFigureOut">
               <a:rPr lang="en-ZA" smtClean="0"/>
-              <a:t>2020/01/26</a:t>
+              <a:t>2020-05-20</a:t>
             </a:fld>
             <a:endParaRPr lang="en-ZA"/>
           </a:p>
@@ -2085,7 +2085,7 @@
           <a:p>
             <a:fld id="{A4A54569-7902-4945-B214-29C88B7567F2}" type="datetimeFigureOut">
               <a:rPr lang="en-ZA" smtClean="0"/>
-              <a:t>2020/01/26</a:t>
+              <a:t>2020-05-20</a:t>
             </a:fld>
             <a:endParaRPr lang="en-ZA"/>
           </a:p>
@@ -2398,7 +2398,7 @@
           <a:p>
             <a:fld id="{A4A54569-7902-4945-B214-29C88B7567F2}" type="datetimeFigureOut">
               <a:rPr lang="en-ZA" smtClean="0"/>
-              <a:t>2020/01/26</a:t>
+              <a:t>2020-05-20</a:t>
             </a:fld>
             <a:endParaRPr lang="en-ZA"/>
           </a:p>
@@ -2687,7 +2687,7 @@
           <a:p>
             <a:fld id="{A4A54569-7902-4945-B214-29C88B7567F2}" type="datetimeFigureOut">
               <a:rPr lang="en-ZA" smtClean="0"/>
-              <a:t>2020/01/26</a:t>
+              <a:t>2020-05-20</a:t>
             </a:fld>
             <a:endParaRPr lang="en-ZA"/>
           </a:p>
@@ -2930,7 +2930,7 @@
           <a:p>
             <a:fld id="{A4A54569-7902-4945-B214-29C88B7567F2}" type="datetimeFigureOut">
               <a:rPr lang="en-ZA" smtClean="0"/>
-              <a:t>2020/01/26</a:t>
+              <a:t>2020-05-20</a:t>
             </a:fld>
             <a:endParaRPr lang="en-ZA"/>
           </a:p>
@@ -4250,7 +4250,11 @@
           <a:prstGeom prst="rect">
             <a:avLst/>
           </a:prstGeom>
-          <a:noFill/>
+          <a:solidFill>
+            <a:srgbClr val="FFFF00">
+              <a:alpha val="25000"/>
+            </a:srgbClr>
+          </a:solidFill>
           <a:ln w="38100">
             <a:solidFill>
               <a:srgbClr val="C0A820"/>
